--- a/Presentasi Tugas Akhir.pptx
+++ b/Presentasi Tugas Akhir.pptx
@@ -265,7 +265,7 @@
           <a:p>
             <a:fld id="{10A0DBFA-39DF-4FFB-AEC1-84A9754004F4}" type="datetimeFigureOut">
               <a:rPr lang="en-US" smtClean="0"/>
-              <a:t>12/4/2018</a:t>
+              <a:t>12/5/2018</a:t>
             </a:fld>
             <a:endParaRPr lang="en-US"/>
           </a:p>
@@ -624,7 +624,7 @@
           <a:p>
             <a:fld id="{10A0DBFA-39DF-4FFB-AEC1-84A9754004F4}" type="datetimeFigureOut">
               <a:rPr lang="en-US" smtClean="0"/>
-              <a:t>12/4/2018</a:t>
+              <a:t>12/5/2018</a:t>
             </a:fld>
             <a:endParaRPr lang="en-US"/>
           </a:p>
@@ -799,7 +799,7 @@
           <a:p>
             <a:fld id="{10A0DBFA-39DF-4FFB-AEC1-84A9754004F4}" type="datetimeFigureOut">
               <a:rPr lang="en-US" smtClean="0"/>
-              <a:t>12/4/2018</a:t>
+              <a:t>12/5/2018</a:t>
             </a:fld>
             <a:endParaRPr lang="en-US"/>
           </a:p>
@@ -1034,7 +1034,7 @@
           <a:p>
             <a:fld id="{10A0DBFA-39DF-4FFB-AEC1-84A9754004F4}" type="datetimeFigureOut">
               <a:rPr lang="en-US" smtClean="0"/>
-              <a:t>12/4/2018</a:t>
+              <a:t>12/5/2018</a:t>
             </a:fld>
             <a:endParaRPr lang="en-US"/>
           </a:p>
@@ -1303,7 +1303,7 @@
           <a:p>
             <a:fld id="{10A0DBFA-39DF-4FFB-AEC1-84A9754004F4}" type="datetimeFigureOut">
               <a:rPr lang="en-US" smtClean="0"/>
-              <a:t>12/4/2018</a:t>
+              <a:t>12/5/2018</a:t>
             </a:fld>
             <a:endParaRPr lang="en-US"/>
           </a:p>
@@ -1523,7 +1523,7 @@
           <a:p>
             <a:fld id="{10A0DBFA-39DF-4FFB-AEC1-84A9754004F4}" type="datetimeFigureOut">
               <a:rPr lang="en-US" smtClean="0"/>
-              <a:t>12/4/2018</a:t>
+              <a:t>12/5/2018</a:t>
             </a:fld>
             <a:endParaRPr lang="en-US"/>
           </a:p>
@@ -1875,7 +1875,7 @@
           <a:p>
             <a:fld id="{10A0DBFA-39DF-4FFB-AEC1-84A9754004F4}" type="datetimeFigureOut">
               <a:rPr lang="en-US" smtClean="0"/>
-              <a:t>12/4/2018</a:t>
+              <a:t>12/5/2018</a:t>
             </a:fld>
             <a:endParaRPr lang="en-US"/>
           </a:p>
@@ -2107,7 +2107,7 @@
           <a:p>
             <a:fld id="{10A0DBFA-39DF-4FFB-AEC1-84A9754004F4}" type="datetimeFigureOut">
               <a:rPr lang="en-US" smtClean="0"/>
-              <a:t>12/4/2018</a:t>
+              <a:t>12/5/2018</a:t>
             </a:fld>
             <a:endParaRPr lang="en-US"/>
           </a:p>
@@ -2247,7 +2247,7 @@
           <a:p>
             <a:fld id="{10A0DBFA-39DF-4FFB-AEC1-84A9754004F4}" type="datetimeFigureOut">
               <a:rPr lang="en-US" smtClean="0"/>
-              <a:t>12/4/2018</a:t>
+              <a:t>12/5/2018</a:t>
             </a:fld>
             <a:endParaRPr lang="en-US"/>
           </a:p>
@@ -2524,7 +2524,7 @@
           <a:p>
             <a:fld id="{10A0DBFA-39DF-4FFB-AEC1-84A9754004F4}" type="datetimeFigureOut">
               <a:rPr lang="en-US" smtClean="0"/>
-              <a:t>12/4/2018</a:t>
+              <a:t>12/5/2018</a:t>
             </a:fld>
             <a:endParaRPr lang="en-US"/>
           </a:p>
@@ -2931,7 +2931,7 @@
           <a:p>
             <a:fld id="{10A0DBFA-39DF-4FFB-AEC1-84A9754004F4}" type="datetimeFigureOut">
               <a:rPr lang="en-US" smtClean="0"/>
-              <a:t>12/4/2018</a:t>
+              <a:t>12/5/2018</a:t>
             </a:fld>
             <a:endParaRPr lang="en-US"/>
           </a:p>
@@ -3269,7 +3269,7 @@
           <a:p>
             <a:fld id="{10A0DBFA-39DF-4FFB-AEC1-84A9754004F4}" type="datetimeFigureOut">
               <a:rPr lang="en-US" smtClean="0"/>
-              <a:t>12/4/2018</a:t>
+              <a:t>12/5/2018</a:t>
             </a:fld>
             <a:endParaRPr lang="en-US"/>
           </a:p>
@@ -3985,21 +3985,8 @@
                   <a:schemeClr val="tx1"/>
                 </a:solidFill>
               </a:rPr>
-              <a:t> (</a:t>
-            </a:r>
-            <a:r>
-              <a:rPr lang="en-US" dirty="0" smtClean="0">
-                <a:solidFill>
-                  <a:schemeClr val="tx1"/>
-                </a:solidFill>
-              </a:rPr>
-              <a:t>1631710117)</a:t>
-            </a:r>
-            <a:endParaRPr lang="en-US" dirty="0" smtClean="0">
-              <a:solidFill>
-                <a:schemeClr val="tx1"/>
-              </a:solidFill>
-            </a:endParaRPr>
+              <a:t> (1631710117)</a:t>
+            </a:r>
           </a:p>
           <a:p>
             <a:endParaRPr lang="en-US" dirty="0"/>
@@ -4714,7 +4701,11 @@
             </a:pPr>
             <a:r>
               <a:rPr lang="en-US" dirty="0" smtClean="0"/>
-              <a:t>Workflow Management System</a:t>
+              <a:t>Workflow </a:t>
+            </a:r>
+            <a:r>
+              <a:rPr lang="en-US" dirty="0" smtClean="0"/>
+              <a:t>Configuration</a:t>
             </a:r>
             <a:endParaRPr lang="en-US" dirty="0" smtClean="0"/>
           </a:p>

--- a/Presentasi Tugas Akhir.pptx
+++ b/Presentasi Tugas Akhir.pptx
@@ -9,18 +9,18 @@
     <p:sldId id="257" r:id="rId3"/>
     <p:sldId id="258" r:id="rId4"/>
     <p:sldId id="261" r:id="rId5"/>
-    <p:sldId id="262" r:id="rId6"/>
-    <p:sldId id="259" r:id="rId7"/>
-    <p:sldId id="260" r:id="rId8"/>
-    <p:sldId id="263" r:id="rId9"/>
+    <p:sldId id="259" r:id="rId6"/>
+    <p:sldId id="260" r:id="rId7"/>
+    <p:sldId id="263" r:id="rId8"/>
+    <p:sldId id="265" r:id="rId9"/>
     <p:sldId id="264" r:id="rId10"/>
     <p:sldId id="269" r:id="rId11"/>
-    <p:sldId id="265" r:id="rId12"/>
-    <p:sldId id="266" r:id="rId13"/>
-    <p:sldId id="267" r:id="rId14"/>
-    <p:sldId id="268" r:id="rId15"/>
-    <p:sldId id="270" r:id="rId16"/>
-    <p:sldId id="272" r:id="rId17"/>
+    <p:sldId id="266" r:id="rId12"/>
+    <p:sldId id="267" r:id="rId13"/>
+    <p:sldId id="268" r:id="rId14"/>
+    <p:sldId id="270" r:id="rId15"/>
+    <p:sldId id="272" r:id="rId16"/>
+    <p:sldId id="273" r:id="rId17"/>
   </p:sldIdLst>
   <p:sldSz cx="9144000" cy="6858000" type="screen4x3"/>
   <p:notesSz cx="6858000" cy="9144000"/>
@@ -119,6 +119,22 @@
       </a:defRPr>
     </a:lvl9pPr>
   </p:defaultTextStyle>
+  <p:extLst>
+    <p:ext uri="{EFAFB233-063F-42B5-8137-9DF3F51BA10A}">
+      <p15:sldGuideLst xmlns:p15="http://schemas.microsoft.com/office/powerpoint/2012/main">
+        <p15:guide id="1" orient="horz" pos="2160">
+          <p15:clr>
+            <a:srgbClr val="A4A3A4"/>
+          </p15:clr>
+        </p15:guide>
+        <p15:guide id="2" pos="2880">
+          <p15:clr>
+            <a:srgbClr val="A4A3A4"/>
+          </p15:clr>
+        </p15:guide>
+      </p15:sldGuideLst>
+    </p:ext>
+  </p:extLst>
 </p:presentation>
 </file>
 
@@ -168,10 +184,9 @@
           </a:lstStyle>
           <a:p>
             <a:r>
-              <a:rPr kumimoji="0" lang="en-US" smtClean="0"/>
+              <a:rPr kumimoji="0" lang="en-US"/>
               <a:t>Click to edit Master title style</a:t>
             </a:r>
-            <a:endParaRPr kumimoji="0" lang="en-US"/>
           </a:p>
         </p:txBody>
       </p:sp>
@@ -232,10 +247,9 @@
           </a:lstStyle>
           <a:p>
             <a:r>
-              <a:rPr kumimoji="0" lang="en-US" smtClean="0"/>
+              <a:rPr kumimoji="0" lang="en-US"/>
               <a:t>Click to edit Master subtitle style</a:t>
             </a:r>
-            <a:endParaRPr kumimoji="0" lang="en-US"/>
           </a:p>
         </p:txBody>
       </p:sp>
@@ -548,10 +562,9 @@
           <a:lstStyle/>
           <a:p>
             <a:r>
-              <a:rPr kumimoji="0" lang="en-US" smtClean="0"/>
+              <a:rPr kumimoji="0" lang="en-US"/>
               <a:t>Click to edit Master title style</a:t>
             </a:r>
-            <a:endParaRPr kumimoji="0" lang="en-US"/>
           </a:p>
         </p:txBody>
       </p:sp>
@@ -572,35 +585,35 @@
           <a:p>
             <a:pPr lvl="0" eaLnBrk="1" latinLnBrk="0" hangingPunct="1"/>
             <a:r>
-              <a:rPr lang="en-US" smtClean="0"/>
+              <a:rPr lang="en-US"/>
               <a:t>Click to edit Master text styles</a:t>
             </a:r>
           </a:p>
           <a:p>
             <a:pPr lvl="1" eaLnBrk="1" latinLnBrk="0" hangingPunct="1"/>
             <a:r>
-              <a:rPr lang="en-US" smtClean="0"/>
+              <a:rPr lang="en-US"/>
               <a:t>Second level</a:t>
             </a:r>
           </a:p>
           <a:p>
             <a:pPr lvl="2" eaLnBrk="1" latinLnBrk="0" hangingPunct="1"/>
             <a:r>
-              <a:rPr lang="en-US" smtClean="0"/>
+              <a:rPr lang="en-US"/>
               <a:t>Third level</a:t>
             </a:r>
           </a:p>
           <a:p>
             <a:pPr lvl="3" eaLnBrk="1" latinLnBrk="0" hangingPunct="1"/>
             <a:r>
-              <a:rPr lang="en-US" smtClean="0"/>
+              <a:rPr lang="en-US"/>
               <a:t>Fourth level</a:t>
             </a:r>
           </a:p>
           <a:p>
             <a:pPr lvl="4" eaLnBrk="1" latinLnBrk="0" hangingPunct="1"/>
             <a:r>
-              <a:rPr lang="en-US" smtClean="0"/>
+              <a:rPr lang="en-US"/>
               <a:t>Fifth level</a:t>
             </a:r>
             <a:endParaRPr kumimoji="0" lang="en-US"/>
@@ -718,10 +731,9 @@
           <a:lstStyle/>
           <a:p>
             <a:r>
-              <a:rPr kumimoji="0" lang="en-US" smtClean="0"/>
+              <a:rPr kumimoji="0" lang="en-US"/>
               <a:t>Click to edit Master title style</a:t>
             </a:r>
-            <a:endParaRPr kumimoji="0" lang="en-US"/>
           </a:p>
         </p:txBody>
       </p:sp>
@@ -747,35 +759,35 @@
           <a:p>
             <a:pPr lvl="0" eaLnBrk="1" latinLnBrk="0" hangingPunct="1"/>
             <a:r>
-              <a:rPr lang="en-US" smtClean="0"/>
+              <a:rPr lang="en-US"/>
               <a:t>Click to edit Master text styles</a:t>
             </a:r>
           </a:p>
           <a:p>
             <a:pPr lvl="1" eaLnBrk="1" latinLnBrk="0" hangingPunct="1"/>
             <a:r>
-              <a:rPr lang="en-US" smtClean="0"/>
+              <a:rPr lang="en-US"/>
               <a:t>Second level</a:t>
             </a:r>
           </a:p>
           <a:p>
             <a:pPr lvl="2" eaLnBrk="1" latinLnBrk="0" hangingPunct="1"/>
             <a:r>
-              <a:rPr lang="en-US" smtClean="0"/>
+              <a:rPr lang="en-US"/>
               <a:t>Third level</a:t>
             </a:r>
           </a:p>
           <a:p>
             <a:pPr lvl="3" eaLnBrk="1" latinLnBrk="0" hangingPunct="1"/>
             <a:r>
-              <a:rPr lang="en-US" smtClean="0"/>
+              <a:rPr lang="en-US"/>
               <a:t>Fourth level</a:t>
             </a:r>
           </a:p>
           <a:p>
             <a:pPr lvl="4" eaLnBrk="1" latinLnBrk="0" hangingPunct="1"/>
             <a:r>
-              <a:rPr lang="en-US" smtClean="0"/>
+              <a:rPr lang="en-US"/>
               <a:t>Fifth level</a:t>
             </a:r>
             <a:endParaRPr kumimoji="0" lang="en-US"/>
@@ -1010,10 +1022,9 @@
           <a:lstStyle/>
           <a:p>
             <a:r>
-              <a:rPr kumimoji="0" lang="en-US" smtClean="0"/>
+              <a:rPr kumimoji="0" lang="en-US"/>
               <a:t>Click to edit Master title style</a:t>
             </a:r>
-            <a:endParaRPr kumimoji="0" lang="en-US"/>
           </a:p>
         </p:txBody>
       </p:sp>
@@ -1104,35 +1115,35 @@
           <a:p>
             <a:pPr lvl="0" eaLnBrk="1" latinLnBrk="0" hangingPunct="1"/>
             <a:r>
-              <a:rPr lang="en-US" smtClean="0"/>
+              <a:rPr lang="en-US"/>
               <a:t>Click to edit Master text styles</a:t>
             </a:r>
           </a:p>
           <a:p>
             <a:pPr lvl="1" eaLnBrk="1" latinLnBrk="0" hangingPunct="1"/>
             <a:r>
-              <a:rPr lang="en-US" smtClean="0"/>
+              <a:rPr lang="en-US"/>
               <a:t>Second level</a:t>
             </a:r>
           </a:p>
           <a:p>
             <a:pPr lvl="2" eaLnBrk="1" latinLnBrk="0" hangingPunct="1"/>
             <a:r>
-              <a:rPr lang="en-US" smtClean="0"/>
+              <a:rPr lang="en-US"/>
               <a:t>Third level</a:t>
             </a:r>
           </a:p>
           <a:p>
             <a:pPr lvl="3" eaLnBrk="1" latinLnBrk="0" hangingPunct="1"/>
             <a:r>
-              <a:rPr lang="en-US" smtClean="0"/>
+              <a:rPr lang="en-US"/>
               <a:t>Fourth level</a:t>
             </a:r>
           </a:p>
           <a:p>
             <a:pPr lvl="4" eaLnBrk="1" latinLnBrk="0" hangingPunct="1"/>
             <a:r>
-              <a:rPr lang="en-US" smtClean="0"/>
+              <a:rPr lang="en-US"/>
               <a:t>Fifth level</a:t>
             </a:r>
             <a:endParaRPr kumimoji="0" lang="en-US"/>
@@ -1195,10 +1206,9 @@
           </a:lstStyle>
           <a:p>
             <a:r>
-              <a:rPr kumimoji="0" lang="en-US" smtClean="0"/>
+              <a:rPr kumimoji="0" lang="en-US"/>
               <a:t>Click to edit Master title style</a:t>
             </a:r>
-            <a:endParaRPr kumimoji="0" lang="en-US"/>
           </a:p>
         </p:txBody>
       </p:sp>
@@ -1275,7 +1285,7 @@
           <a:p>
             <a:pPr lvl="0" eaLnBrk="1" latinLnBrk="0" hangingPunct="1"/>
             <a:r>
-              <a:rPr kumimoji="0" lang="en-US" smtClean="0"/>
+              <a:rPr kumimoji="0" lang="en-US"/>
               <a:t>Click to edit Master text styles</a:t>
             </a:r>
           </a:p>
@@ -1499,10 +1509,9 @@
           <a:lstStyle/>
           <a:p>
             <a:r>
-              <a:rPr kumimoji="0" lang="en-US" smtClean="0"/>
+              <a:rPr kumimoji="0" lang="en-US"/>
               <a:t>Click to edit Master title style</a:t>
             </a:r>
-            <a:endParaRPr kumimoji="0" lang="en-US"/>
           </a:p>
         </p:txBody>
       </p:sp>
@@ -1593,35 +1602,35 @@
           <a:p>
             <a:pPr lvl="0" eaLnBrk="1" latinLnBrk="0" hangingPunct="1"/>
             <a:r>
-              <a:rPr lang="en-US" smtClean="0"/>
+              <a:rPr lang="en-US"/>
               <a:t>Click to edit Master text styles</a:t>
             </a:r>
           </a:p>
           <a:p>
             <a:pPr lvl="1" eaLnBrk="1" latinLnBrk="0" hangingPunct="1"/>
             <a:r>
-              <a:rPr lang="en-US" smtClean="0"/>
+              <a:rPr lang="en-US"/>
               <a:t>Second level</a:t>
             </a:r>
           </a:p>
           <a:p>
             <a:pPr lvl="2" eaLnBrk="1" latinLnBrk="0" hangingPunct="1"/>
             <a:r>
-              <a:rPr lang="en-US" smtClean="0"/>
+              <a:rPr lang="en-US"/>
               <a:t>Third level</a:t>
             </a:r>
           </a:p>
           <a:p>
             <a:pPr lvl="3" eaLnBrk="1" latinLnBrk="0" hangingPunct="1"/>
             <a:r>
-              <a:rPr lang="en-US" smtClean="0"/>
+              <a:rPr lang="en-US"/>
               <a:t>Fourth level</a:t>
             </a:r>
           </a:p>
           <a:p>
             <a:pPr lvl="4" eaLnBrk="1" latinLnBrk="0" hangingPunct="1"/>
             <a:r>
-              <a:rPr lang="en-US" smtClean="0"/>
+              <a:rPr lang="en-US"/>
               <a:t>Fifth level</a:t>
             </a:r>
             <a:endParaRPr kumimoji="0" lang="en-US"/>
@@ -1650,35 +1659,35 @@
           <a:p>
             <a:pPr lvl="0" eaLnBrk="1" latinLnBrk="0" hangingPunct="1"/>
             <a:r>
-              <a:rPr lang="en-US" smtClean="0"/>
+              <a:rPr lang="en-US"/>
               <a:t>Click to edit Master text styles</a:t>
             </a:r>
           </a:p>
           <a:p>
             <a:pPr lvl="1" eaLnBrk="1" latinLnBrk="0" hangingPunct="1"/>
             <a:r>
-              <a:rPr lang="en-US" smtClean="0"/>
+              <a:rPr lang="en-US"/>
               <a:t>Second level</a:t>
             </a:r>
           </a:p>
           <a:p>
             <a:pPr lvl="2" eaLnBrk="1" latinLnBrk="0" hangingPunct="1"/>
             <a:r>
-              <a:rPr lang="en-US" smtClean="0"/>
+              <a:rPr lang="en-US"/>
               <a:t>Third level</a:t>
             </a:r>
           </a:p>
           <a:p>
             <a:pPr lvl="3" eaLnBrk="1" latinLnBrk="0" hangingPunct="1"/>
             <a:r>
-              <a:rPr lang="en-US" smtClean="0"/>
+              <a:rPr lang="en-US"/>
               <a:t>Fourth level</a:t>
             </a:r>
           </a:p>
           <a:p>
             <a:pPr lvl="4" eaLnBrk="1" latinLnBrk="0" hangingPunct="1"/>
             <a:r>
-              <a:rPr lang="en-US" smtClean="0"/>
+              <a:rPr lang="en-US"/>
               <a:t>Fifth level</a:t>
             </a:r>
             <a:endParaRPr kumimoji="0" lang="en-US"/>
@@ -1735,10 +1744,9 @@
           </a:lstStyle>
           <a:p>
             <a:r>
-              <a:rPr kumimoji="0" lang="en-US" smtClean="0"/>
+              <a:rPr kumimoji="0" lang="en-US"/>
               <a:t>Click to edit Master title style</a:t>
             </a:r>
-            <a:endParaRPr kumimoji="0" lang="en-US"/>
           </a:p>
         </p:txBody>
       </p:sp>
@@ -1795,7 +1803,7 @@
           <a:p>
             <a:pPr lvl="0" eaLnBrk="1" latinLnBrk="0" hangingPunct="1"/>
             <a:r>
-              <a:rPr kumimoji="0" lang="en-US" smtClean="0"/>
+              <a:rPr kumimoji="0" lang="en-US"/>
               <a:t>Click to edit Master text styles</a:t>
             </a:r>
           </a:p>
@@ -1852,7 +1860,7 @@
           <a:p>
             <a:pPr lvl="0" eaLnBrk="1" latinLnBrk="0" hangingPunct="1"/>
             <a:r>
-              <a:rPr kumimoji="0" lang="en-US" smtClean="0"/>
+              <a:rPr kumimoji="0" lang="en-US"/>
               <a:t>Click to edit Master text styles</a:t>
             </a:r>
           </a:p>
@@ -1945,35 +1953,35 @@
           <a:p>
             <a:pPr lvl="0" eaLnBrk="1" latinLnBrk="0" hangingPunct="1"/>
             <a:r>
-              <a:rPr lang="en-US" smtClean="0"/>
+              <a:rPr lang="en-US"/>
               <a:t>Click to edit Master text styles</a:t>
             </a:r>
           </a:p>
           <a:p>
             <a:pPr lvl="1" eaLnBrk="1" latinLnBrk="0" hangingPunct="1"/>
             <a:r>
-              <a:rPr lang="en-US" smtClean="0"/>
+              <a:rPr lang="en-US"/>
               <a:t>Second level</a:t>
             </a:r>
           </a:p>
           <a:p>
             <a:pPr lvl="2" eaLnBrk="1" latinLnBrk="0" hangingPunct="1"/>
             <a:r>
-              <a:rPr lang="en-US" smtClean="0"/>
+              <a:rPr lang="en-US"/>
               <a:t>Third level</a:t>
             </a:r>
           </a:p>
           <a:p>
             <a:pPr lvl="3" eaLnBrk="1" latinLnBrk="0" hangingPunct="1"/>
             <a:r>
-              <a:rPr lang="en-US" smtClean="0"/>
+              <a:rPr lang="en-US"/>
               <a:t>Fourth level</a:t>
             </a:r>
           </a:p>
           <a:p>
             <a:pPr lvl="4" eaLnBrk="1" latinLnBrk="0" hangingPunct="1"/>
             <a:r>
-              <a:rPr lang="en-US" smtClean="0"/>
+              <a:rPr lang="en-US"/>
               <a:t>Fifth level</a:t>
             </a:r>
             <a:endParaRPr kumimoji="0" lang="en-US"/>
@@ -2002,35 +2010,35 @@
           <a:p>
             <a:pPr lvl="0" eaLnBrk="1" latinLnBrk="0" hangingPunct="1"/>
             <a:r>
-              <a:rPr lang="en-US" smtClean="0"/>
+              <a:rPr lang="en-US"/>
               <a:t>Click to edit Master text styles</a:t>
             </a:r>
           </a:p>
           <a:p>
             <a:pPr lvl="1" eaLnBrk="1" latinLnBrk="0" hangingPunct="1"/>
             <a:r>
-              <a:rPr lang="en-US" smtClean="0"/>
+              <a:rPr lang="en-US"/>
               <a:t>Second level</a:t>
             </a:r>
           </a:p>
           <a:p>
             <a:pPr lvl="2" eaLnBrk="1" latinLnBrk="0" hangingPunct="1"/>
             <a:r>
-              <a:rPr lang="en-US" smtClean="0"/>
+              <a:rPr lang="en-US"/>
               <a:t>Third level</a:t>
             </a:r>
           </a:p>
           <a:p>
             <a:pPr lvl="3" eaLnBrk="1" latinLnBrk="0" hangingPunct="1"/>
             <a:r>
-              <a:rPr lang="en-US" smtClean="0"/>
+              <a:rPr lang="en-US"/>
               <a:t>Fourth level</a:t>
             </a:r>
           </a:p>
           <a:p>
             <a:pPr lvl="4" eaLnBrk="1" latinLnBrk="0" hangingPunct="1"/>
             <a:r>
-              <a:rPr lang="en-US" smtClean="0"/>
+              <a:rPr lang="en-US"/>
               <a:t>Fifth level</a:t>
             </a:r>
             <a:endParaRPr kumimoji="0" lang="en-US"/>
@@ -2083,10 +2091,9 @@
           <a:lstStyle/>
           <a:p>
             <a:r>
-              <a:rPr kumimoji="0" lang="en-US" smtClean="0"/>
+              <a:rPr kumimoji="0" lang="en-US"/>
               <a:t>Click to edit Master title style</a:t>
             </a:r>
-            <a:endParaRPr kumimoji="0" lang="en-US"/>
           </a:p>
         </p:txBody>
       </p:sp>
@@ -2441,10 +2448,9 @@
           </a:lstStyle>
           <a:p>
             <a:r>
-              <a:rPr kumimoji="0" lang="en-US" smtClean="0"/>
+              <a:rPr kumimoji="0" lang="en-US"/>
               <a:t>Click to edit Master title style</a:t>
             </a:r>
-            <a:endParaRPr kumimoji="0" lang="en-US"/>
           </a:p>
         </p:txBody>
       </p:sp>
@@ -2501,7 +2507,7 @@
           <a:p>
             <a:pPr lvl="0" eaLnBrk="1" latinLnBrk="0" hangingPunct="1"/>
             <a:r>
-              <a:rPr kumimoji="0" lang="en-US" smtClean="0"/>
+              <a:rPr kumimoji="0" lang="en-US"/>
               <a:t>Click to edit Master text styles</a:t>
             </a:r>
           </a:p>
@@ -2716,35 +2722,35 @@
           <a:p>
             <a:pPr lvl="0" eaLnBrk="1" latinLnBrk="0" hangingPunct="1"/>
             <a:r>
-              <a:rPr lang="en-US" smtClean="0"/>
+              <a:rPr lang="en-US"/>
               <a:t>Click to edit Master text styles</a:t>
             </a:r>
           </a:p>
           <a:p>
             <a:pPr lvl="1" eaLnBrk="1" latinLnBrk="0" hangingPunct="1"/>
             <a:r>
-              <a:rPr lang="en-US" smtClean="0"/>
+              <a:rPr lang="en-US"/>
               <a:t>Second level</a:t>
             </a:r>
           </a:p>
           <a:p>
             <a:pPr lvl="2" eaLnBrk="1" latinLnBrk="0" hangingPunct="1"/>
             <a:r>
-              <a:rPr lang="en-US" smtClean="0"/>
+              <a:rPr lang="en-US"/>
               <a:t>Third level</a:t>
             </a:r>
           </a:p>
           <a:p>
             <a:pPr lvl="3" eaLnBrk="1" latinLnBrk="0" hangingPunct="1"/>
             <a:r>
-              <a:rPr lang="en-US" smtClean="0"/>
+              <a:rPr lang="en-US"/>
               <a:t>Fourth level</a:t>
             </a:r>
           </a:p>
           <a:p>
             <a:pPr lvl="4" eaLnBrk="1" latinLnBrk="0" hangingPunct="1"/>
             <a:r>
-              <a:rPr lang="en-US" smtClean="0"/>
+              <a:rPr lang="en-US"/>
               <a:t>Fifth level</a:t>
             </a:r>
             <a:endParaRPr kumimoji="0" lang="en-US"/>
@@ -2816,10 +2822,9 @@
           </a:lstStyle>
           <a:p>
             <a:r>
-              <a:rPr kumimoji="0" lang="en-US" smtClean="0"/>
+              <a:rPr kumimoji="0" lang="en-US"/>
               <a:t>Click to edit Master title style</a:t>
             </a:r>
-            <a:endParaRPr kumimoji="0" lang="en-US"/>
           </a:p>
         </p:txBody>
       </p:sp>
@@ -2861,7 +2866,7 @@
           </a:lstStyle>
           <a:p>
             <a:r>
-              <a:rPr kumimoji="0" lang="en-US" smtClean="0"/>
+              <a:rPr kumimoji="0" lang="en-US"/>
               <a:t>Click icon to add picture</a:t>
             </a:r>
             <a:endParaRPr kumimoji="0" lang="en-US" dirty="0"/>
@@ -2908,7 +2913,7 @@
           <a:p>
             <a:pPr lvl="0" eaLnBrk="1" latinLnBrk="0" hangingPunct="1"/>
             <a:r>
-              <a:rPr kumimoji="0" lang="en-US" smtClean="0"/>
+              <a:rPr kumimoji="0" lang="en-US"/>
               <a:t>Click to edit Master text styles</a:t>
             </a:r>
           </a:p>
@@ -3167,10 +3172,9 @@
           <a:lstStyle/>
           <a:p>
             <a:r>
-              <a:rPr kumimoji="0" lang="en-US" smtClean="0"/>
+              <a:rPr kumimoji="0" lang="en-US"/>
               <a:t>Click to edit Master title style</a:t>
             </a:r>
-            <a:endParaRPr kumimoji="0" lang="en-US"/>
           </a:p>
         </p:txBody>
       </p:sp>
@@ -3201,38 +3205,37 @@
           <a:p>
             <a:pPr lvl="0" eaLnBrk="1" latinLnBrk="0" hangingPunct="1"/>
             <a:r>
-              <a:rPr kumimoji="0" lang="en-US" smtClean="0"/>
+              <a:rPr kumimoji="0" lang="en-US"/>
               <a:t>Click to edit Master text styles</a:t>
             </a:r>
           </a:p>
           <a:p>
             <a:pPr lvl="1" eaLnBrk="1" latinLnBrk="0" hangingPunct="1"/>
             <a:r>
-              <a:rPr kumimoji="0" lang="en-US" smtClean="0"/>
+              <a:rPr kumimoji="0" lang="en-US"/>
               <a:t>Second level</a:t>
             </a:r>
           </a:p>
           <a:p>
             <a:pPr lvl="2" eaLnBrk="1" latinLnBrk="0" hangingPunct="1"/>
             <a:r>
-              <a:rPr kumimoji="0" lang="en-US" smtClean="0"/>
+              <a:rPr kumimoji="0" lang="en-US"/>
               <a:t>Third level</a:t>
             </a:r>
           </a:p>
           <a:p>
             <a:pPr lvl="3" eaLnBrk="1" latinLnBrk="0" hangingPunct="1"/>
             <a:r>
-              <a:rPr kumimoji="0" lang="en-US" smtClean="0"/>
+              <a:rPr kumimoji="0" lang="en-US"/>
               <a:t>Fourth level</a:t>
             </a:r>
           </a:p>
           <a:p>
             <a:pPr lvl="4" eaLnBrk="1" latinLnBrk="0" hangingPunct="1"/>
             <a:r>
-              <a:rPr kumimoji="0" lang="en-US" smtClean="0"/>
+              <a:rPr kumimoji="0" lang="en-US"/>
               <a:t>Fifth level</a:t>
             </a:r>
-            <a:endParaRPr kumimoji="0" lang="en-US"/>
           </a:p>
         </p:txBody>
       </p:sp>
@@ -3821,38 +3824,38 @@
           <a:lstStyle/>
           <a:p>
             <a:r>
-              <a:rPr lang="en-US" b="1" dirty="0" smtClean="0"/>
+              <a:rPr lang="en-US" b="1" dirty="0"/>
               <a:t>Proposal </a:t>
             </a:r>
             <a:r>
-              <a:rPr lang="en-US" b="1" dirty="0" err="1" smtClean="0"/>
+              <a:rPr lang="en-US" b="1" dirty="0" err="1"/>
               <a:t>Tugas</a:t>
             </a:r>
             <a:r>
-              <a:rPr lang="en-US" b="1" dirty="0" smtClean="0"/>
+              <a:rPr lang="en-US" b="1" dirty="0"/>
               <a:t> </a:t>
             </a:r>
             <a:r>
-              <a:rPr lang="en-US" b="1" dirty="0" err="1" smtClean="0"/>
+              <a:rPr lang="en-US" b="1" dirty="0" err="1"/>
               <a:t>Akhir</a:t>
             </a:r>
             <a:r>
-              <a:rPr lang="en-US" b="1" dirty="0" smtClean="0"/>
+              <a:rPr lang="en-US" b="1" dirty="0"/>
               <a:t> </a:t>
             </a:r>
             <a:br>
-              <a:rPr lang="en-US" b="1" dirty="0" smtClean="0"/>
+              <a:rPr lang="en-US" b="1" dirty="0"/>
             </a:br>
             <a:r>
-              <a:rPr lang="en-US" b="1" dirty="0" err="1" smtClean="0"/>
+              <a:rPr lang="en-US" b="1" dirty="0" err="1"/>
               <a:t>Manajemen</a:t>
             </a:r>
             <a:r>
-              <a:rPr lang="en-US" b="1" dirty="0" smtClean="0"/>
+              <a:rPr lang="en-US" b="1" dirty="0"/>
               <a:t> </a:t>
             </a:r>
             <a:r>
-              <a:rPr lang="en-US" b="1" dirty="0" err="1" smtClean="0"/>
+              <a:rPr lang="en-US" b="1" dirty="0" err="1"/>
               <a:t>Informatika</a:t>
             </a:r>
             <a:endParaRPr lang="en-US" b="1" dirty="0"/>
@@ -3882,7 +3885,7 @@
           <a:lstStyle/>
           <a:p>
             <a:r>
-              <a:rPr lang="en-US" dirty="0" smtClean="0">
+              <a:rPr lang="en-US" dirty="0">
                 <a:solidFill>
                   <a:schemeClr val="tx1"/>
                 </a:solidFill>
@@ -3890,7 +3893,7 @@
               <a:t>Nabila </a:t>
             </a:r>
             <a:r>
-              <a:rPr lang="en-US" dirty="0" err="1" smtClean="0">
+              <a:rPr lang="en-US" dirty="0" err="1">
                 <a:solidFill>
                   <a:schemeClr val="tx1"/>
                 </a:solidFill>
@@ -3898,7 +3901,7 @@
               <a:t>Rifda</a:t>
             </a:r>
             <a:r>
-              <a:rPr lang="en-US" dirty="0" smtClean="0">
+              <a:rPr lang="en-US" dirty="0">
                 <a:solidFill>
                   <a:schemeClr val="tx1"/>
                 </a:solidFill>
@@ -3906,7 +3909,7 @@
               <a:t> </a:t>
             </a:r>
             <a:r>
-              <a:rPr lang="en-US" dirty="0" err="1" smtClean="0">
+              <a:rPr lang="en-US" dirty="0" err="1">
                 <a:solidFill>
                   <a:schemeClr val="tx1"/>
                 </a:solidFill>
@@ -3914,7 +3917,7 @@
               <a:t>Ristyawan</a:t>
             </a:r>
             <a:r>
-              <a:rPr lang="en-US" dirty="0" smtClean="0">
+              <a:rPr lang="en-US" dirty="0">
                 <a:solidFill>
                   <a:schemeClr val="tx1"/>
                 </a:solidFill>
@@ -3924,7 +3927,7 @@
           </a:p>
           <a:p>
             <a:r>
-              <a:rPr lang="en-US" dirty="0" err="1" smtClean="0">
+              <a:rPr lang="en-US" dirty="0" err="1">
                 <a:solidFill>
                   <a:schemeClr val="tx1"/>
                 </a:solidFill>
@@ -3932,7 +3935,7 @@
               <a:t>Revina</a:t>
             </a:r>
             <a:r>
-              <a:rPr lang="en-US" dirty="0" smtClean="0">
+              <a:rPr lang="en-US" dirty="0">
                 <a:solidFill>
                   <a:schemeClr val="tx1"/>
                 </a:solidFill>
@@ -3940,7 +3943,7 @@
               <a:t> </a:t>
             </a:r>
             <a:r>
-              <a:rPr lang="en-US" dirty="0" err="1" smtClean="0">
+              <a:rPr lang="en-US" dirty="0" err="1">
                 <a:solidFill>
                   <a:schemeClr val="tx1"/>
                 </a:solidFill>
@@ -3948,7 +3951,7 @@
               <a:t>Laksmi</a:t>
             </a:r>
             <a:r>
-              <a:rPr lang="en-US" dirty="0" smtClean="0">
+              <a:rPr lang="en-US" dirty="0">
                 <a:solidFill>
                   <a:schemeClr val="tx1"/>
                 </a:solidFill>
@@ -3956,7 +3959,7 @@
               <a:t> </a:t>
             </a:r>
             <a:r>
-              <a:rPr lang="en-US" dirty="0" err="1" smtClean="0">
+              <a:rPr lang="en-US" dirty="0" err="1">
                 <a:solidFill>
                   <a:schemeClr val="tx1"/>
                 </a:solidFill>
@@ -3964,7 +3967,7 @@
               <a:t>Permata</a:t>
             </a:r>
             <a:r>
-              <a:rPr lang="en-US" dirty="0" smtClean="0">
+              <a:rPr lang="en-US" dirty="0">
                 <a:solidFill>
                   <a:schemeClr val="tx1"/>
                 </a:solidFill>
@@ -3972,7 +3975,7 @@
               <a:t> </a:t>
             </a:r>
             <a:r>
-              <a:rPr lang="en-US" dirty="0" err="1" smtClean="0">
+              <a:rPr lang="en-US" dirty="0" err="1">
                 <a:solidFill>
                   <a:schemeClr val="tx1"/>
                 </a:solidFill>
@@ -3980,7 +3983,7 @@
               <a:t>Hati</a:t>
             </a:r>
             <a:r>
-              <a:rPr lang="en-US" dirty="0" smtClean="0">
+              <a:rPr lang="en-US" dirty="0">
                 <a:solidFill>
                   <a:schemeClr val="tx1"/>
                 </a:solidFill>
@@ -4016,11 +4019,11 @@
           <a:lstStyle/>
           <a:p>
             <a:r>
-              <a:rPr lang="en-US" sz="2400" dirty="0" err="1" smtClean="0"/>
+              <a:rPr lang="en-US" sz="2400" dirty="0" err="1"/>
               <a:t>Oleh</a:t>
             </a:r>
             <a:r>
-              <a:rPr lang="en-US" sz="2400" dirty="0" smtClean="0"/>
+              <a:rPr lang="en-US" sz="2400" dirty="0"/>
               <a:t> :</a:t>
             </a:r>
             <a:endParaRPr lang="en-US" dirty="0"/>
@@ -4037,13 +4040,6 @@
   <p:clrMapOvr>
     <a:masterClrMapping/>
   </p:clrMapOvr>
-  <p:timing>
-    <p:tnLst>
-      <p:par>
-        <p:cTn id="1" dur="indefinite" restart="never" nodeType="tmRoot"/>
-      </p:par>
-    </p:tnLst>
-  </p:timing>
 </p:sld>
 </file>
 
@@ -4085,8 +4081,8 @@
           <a:lstStyle/>
           <a:p>
             <a:r>
-              <a:rPr lang="en-US" b="1" dirty="0" smtClean="0"/>
-              <a:t>Sprint (AGILE)</a:t>
+              <a:rPr lang="id-ID" b="1" dirty="0"/>
+              <a:t>AGILE</a:t>
             </a:r>
             <a:endParaRPr lang="en-US" dirty="0"/>
           </a:p>
@@ -4094,7 +4090,13 @@
       </p:sp>
       <p:pic>
         <p:nvPicPr>
-          <p:cNvPr id="5122" name="Picture 2" descr="D:\Kuliah\TA\WhatsApp Image 2018-12-04 at 9.38.39 AM.jpeg"/>
+          <p:cNvPr id="5" name="Picture 2" descr="D:\Kuliah\TA\WhatsApp Image 2018-12-04 at 9.38.39 AM.jpeg">
+            <a:extLst>
+              <a:ext uri="{FF2B5EF4-FFF2-40B4-BE49-F238E27FC236}">
+                <a16:creationId xmlns:a16="http://schemas.microsoft.com/office/drawing/2014/main" id="{32618A62-C4E7-4C16-909D-F81B0C940B98}"/>
+              </a:ext>
+            </a:extLst>
+          </p:cNvPr>
           <p:cNvPicPr>
             <a:picLocks noChangeAspect="1" noChangeArrowheads="1"/>
           </p:cNvPicPr>
@@ -4115,8 +4117,8 @@
         </p:blipFill>
         <p:spPr bwMode="auto">
           <a:xfrm>
-            <a:off x="762000" y="1371600"/>
-            <a:ext cx="8128000" cy="4775201"/>
+            <a:off x="1295400" y="1828800"/>
+            <a:ext cx="6553200" cy="3850006"/>
           </a:xfrm>
           <a:prstGeom prst="rect">
             <a:avLst/>
@@ -4143,13 +4145,6 @@
   <p:clrMapOvr>
     <a:masterClrMapping/>
   </p:clrMapOvr>
-  <p:timing>
-    <p:tnLst>
-      <p:par>
-        <p:cTn id="1" dur="indefinite" restart="never" nodeType="tmRoot"/>
-      </p:par>
-    </p:tnLst>
-  </p:timing>
 </p:sld>
 </file>
 
@@ -4172,102 +4167,20 @@
       </p:grpSpPr>
       <p:sp>
         <p:nvSpPr>
-          <p:cNvPr id="3" name="Content Placeholder 2"/>
-          <p:cNvSpPr>
-            <a:spLocks noGrp="1"/>
-          </p:cNvSpPr>
-          <p:nvPr>
-            <p:ph sz="quarter" idx="1"/>
+          <p:cNvPr id="2" name="Title 1"/>
+          <p:cNvSpPr>
+            <a:spLocks noGrp="1"/>
+          </p:cNvSpPr>
+          <p:nvPr>
+            <p:ph type="title"/>
           </p:nvPr>
         </p:nvSpPr>
         <p:spPr>
           <a:xfrm>
-            <a:off x="457200" y="1066800"/>
-            <a:ext cx="8229600" cy="5059363"/>
-          </a:xfrm>
-        </p:spPr>
-        <p:txBody>
-          <a:bodyPr/>
-          <a:lstStyle/>
-          <a:p>
-            <a:r>
-              <a:rPr lang="id-ID" b="1" dirty="0" smtClean="0"/>
-              <a:t>Metode Pengumpulan Data</a:t>
-            </a:r>
-            <a:endParaRPr lang="en-US" dirty="0" smtClean="0"/>
-          </a:p>
-          <a:p>
-            <a:pPr marL="1139825" indent="-514350">
-              <a:buFont typeface="+mj-lt"/>
-              <a:buAutoNum type="arabicPeriod"/>
-            </a:pPr>
-            <a:r>
-              <a:rPr lang="en-US" dirty="0" err="1" smtClean="0"/>
-              <a:t>Observasi</a:t>
-            </a:r>
-            <a:endParaRPr lang="en-US" dirty="0" smtClean="0"/>
-          </a:p>
-          <a:p>
-            <a:pPr marL="1139825" indent="-514350">
-              <a:buFont typeface="+mj-lt"/>
-              <a:buAutoNum type="arabicPeriod"/>
-            </a:pPr>
-            <a:r>
-              <a:rPr lang="en-US" dirty="0" err="1" smtClean="0"/>
-              <a:t>Wawancara</a:t>
-            </a:r>
-            <a:endParaRPr lang="en-US" dirty="0"/>
-          </a:p>
-        </p:txBody>
-      </p:sp>
-    </p:spTree>
-    <p:extLst>
-      <p:ext uri="{BB962C8B-B14F-4D97-AF65-F5344CB8AC3E}">
-        <p14:creationId xmlns:p14="http://schemas.microsoft.com/office/powerpoint/2010/main" val="797887944"/>
-      </p:ext>
-    </p:extLst>
-  </p:cSld>
-  <p:clrMapOvr>
-    <a:masterClrMapping/>
-  </p:clrMapOvr>
-  <p:timing>
-    <p:tnLst>
-      <p:par>
-        <p:cTn id="1" dur="indefinite" restart="never" nodeType="tmRoot"/>
-      </p:par>
-    </p:tnLst>
-  </p:timing>
-</p:sld>
-</file>
-
-<file path=ppt/slides/slide12.xml><?xml version="1.0" encoding="utf-8"?>
-<p:sld xmlns:a="http://schemas.openxmlformats.org/drawingml/2006/main" xmlns:r="http://schemas.openxmlformats.org/officeDocument/2006/relationships" xmlns:p="http://schemas.openxmlformats.org/presentationml/2006/main">
-  <p:cSld>
-    <p:spTree>
-      <p:nvGrpSpPr>
-        <p:cNvPr id="1" name=""/>
-        <p:cNvGrpSpPr/>
-        <p:nvPr/>
-      </p:nvGrpSpPr>
-      <p:grpSpPr>
-        <a:xfrm>
-          <a:off x="0" y="0"/>
-          <a:ext cx="0" cy="0"/>
-          <a:chOff x="0" y="0"/>
-          <a:chExt cx="0" cy="0"/>
-        </a:xfrm>
-      </p:grpSpPr>
-      <p:sp>
-        <p:nvSpPr>
-          <p:cNvPr id="2" name="Title 1"/>
-          <p:cNvSpPr>
-            <a:spLocks noGrp="1"/>
-          </p:cNvSpPr>
-          <p:nvPr>
-            <p:ph type="title"/>
-          </p:nvPr>
-        </p:nvSpPr>
-        <p:spPr/>
+            <a:off x="457200" y="122904"/>
+            <a:ext cx="8229600" cy="990600"/>
+          </a:xfrm>
+        </p:spPr>
         <p:txBody>
           <a:bodyPr/>
           <a:lstStyle/>
@@ -4296,7 +4209,7 @@
           <a:lstStyle/>
           <a:p>
             <a:r>
-              <a:rPr lang="en-US" dirty="0" smtClean="0"/>
+              <a:rPr lang="en-US" dirty="0"/>
               <a:t>Flowchart</a:t>
             </a:r>
           </a:p>
@@ -4328,8 +4241,8 @@
         </p:blipFill>
         <p:spPr bwMode="auto">
           <a:xfrm>
-            <a:off x="4648200" y="1491574"/>
-            <a:ext cx="2971800" cy="5194300"/>
+            <a:off x="3581400" y="1248696"/>
+            <a:ext cx="3078446" cy="5380703"/>
           </a:xfrm>
           <a:prstGeom prst="rect">
             <a:avLst/>
@@ -4356,17 +4269,10 @@
   <p:clrMapOvr>
     <a:masterClrMapping/>
   </p:clrMapOvr>
-  <p:timing>
-    <p:tnLst>
-      <p:par>
-        <p:cTn id="1" dur="indefinite" restart="never" nodeType="tmRoot"/>
-      </p:par>
-    </p:tnLst>
-  </p:timing>
 </p:sld>
 </file>
 
-<file path=ppt/slides/slide13.xml><?xml version="1.0" encoding="utf-8"?>
+<file path=ppt/slides/slide12.xml><?xml version="1.0" encoding="utf-8"?>
 <p:sld xmlns:a="http://schemas.openxmlformats.org/drawingml/2006/main" xmlns:r="http://schemas.openxmlformats.org/officeDocument/2006/relationships" xmlns:p="http://schemas.openxmlformats.org/presentationml/2006/main">
   <p:cSld>
     <p:spTree>
@@ -4404,10 +4310,14 @@
           <a:lstStyle/>
           <a:p>
             <a:r>
-              <a:rPr lang="en-US" dirty="0" err="1" smtClean="0"/>
+              <a:rPr lang="en-US" dirty="0" err="1"/>
               <a:t>WorkFlow</a:t>
             </a:r>
-            <a:endParaRPr lang="en-US" dirty="0" smtClean="0"/>
+            <a:r>
+              <a:rPr lang="id-ID" dirty="0"/>
+              <a:t> Configuration</a:t>
+            </a:r>
+            <a:endParaRPr lang="en-US" dirty="0"/>
           </a:p>
           <a:p>
             <a:pPr marL="0" indent="0">
@@ -4499,6 +4409,338 @@
           </a:extLst>
         </p:spPr>
       </p:pic>
+      <p:graphicFrame>
+        <p:nvGraphicFramePr>
+          <p:cNvPr id="2" name="Table 1">
+            <a:extLst>
+              <a:ext uri="{FF2B5EF4-FFF2-40B4-BE49-F238E27FC236}">
+                <a16:creationId xmlns:a16="http://schemas.microsoft.com/office/drawing/2014/main" id="{D1D42DB7-6D1E-4F36-92B0-AED894FAF852}"/>
+              </a:ext>
+            </a:extLst>
+          </p:cNvPr>
+          <p:cNvGraphicFramePr>
+            <a:graphicFrameLocks noGrp="1"/>
+          </p:cNvGraphicFramePr>
+          <p:nvPr>
+            <p:extLst>
+              <p:ext uri="{D42A27DB-BD31-4B8C-83A1-F6EECF244321}">
+                <p14:modId xmlns:p14="http://schemas.microsoft.com/office/powerpoint/2010/main" val="2160962932"/>
+              </p:ext>
+            </p:extLst>
+          </p:nvPr>
+        </p:nvGraphicFramePr>
+        <p:xfrm>
+          <a:off x="3785286" y="3823274"/>
+          <a:ext cx="4916784" cy="2560320"/>
+        </p:xfrm>
+        <a:graphic>
+          <a:graphicData uri="http://schemas.openxmlformats.org/drawingml/2006/table">
+            <a:tbl>
+              <a:tblPr firstRow="1" bandRow="1">
+                <a:tableStyleId>{5C22544A-7EE6-4342-B048-85BDC9FD1C3A}</a:tableStyleId>
+              </a:tblPr>
+              <a:tblGrid>
+                <a:gridCol w="2458392">
+                  <a:extLst>
+                    <a:ext uri="{9D8B030D-6E8A-4147-A177-3AD203B41FA5}">
+                      <a16:colId xmlns:a16="http://schemas.microsoft.com/office/drawing/2014/main" val="1064904379"/>
+                    </a:ext>
+                  </a:extLst>
+                </a:gridCol>
+                <a:gridCol w="2458392">
+                  <a:extLst>
+                    <a:ext uri="{9D8B030D-6E8A-4147-A177-3AD203B41FA5}">
+                      <a16:colId xmlns:a16="http://schemas.microsoft.com/office/drawing/2014/main" val="4061190389"/>
+                    </a:ext>
+                  </a:extLst>
+                </a:gridCol>
+              </a:tblGrid>
+              <a:tr h="276452">
+                <a:tc>
+                  <a:txBody>
+                    <a:bodyPr/>
+                    <a:lstStyle/>
+                    <a:p>
+                      <a:r>
+                        <a:rPr lang="id-ID" dirty="0"/>
+                        <a:t>Status</a:t>
+                      </a:r>
+                    </a:p>
+                  </a:txBody>
+                  <a:tcPr/>
+                </a:tc>
+                <a:tc>
+                  <a:txBody>
+                    <a:bodyPr/>
+                    <a:lstStyle/>
+                    <a:p>
+                      <a:r>
+                        <a:rPr lang="id-ID" dirty="0"/>
+                        <a:t>Role</a:t>
+                      </a:r>
+                    </a:p>
+                  </a:txBody>
+                  <a:tcPr/>
+                </a:tc>
+                <a:extLst>
+                  <a:ext uri="{0D108BD9-81ED-4DB2-BD59-A6C34878D82A}">
+                    <a16:rowId xmlns:a16="http://schemas.microsoft.com/office/drawing/2014/main" val="3138775962"/>
+                  </a:ext>
+                </a:extLst>
+              </a:tr>
+              <a:tr h="276452">
+                <a:tc>
+                  <a:txBody>
+                    <a:bodyPr/>
+                    <a:lstStyle/>
+                    <a:p>
+                      <a:r>
+                        <a:rPr lang="id-ID" dirty="0"/>
+                        <a:t>Start (daftar)</a:t>
+                      </a:r>
+                    </a:p>
+                  </a:txBody>
+                  <a:tcPr/>
+                </a:tc>
+                <a:tc>
+                  <a:txBody>
+                    <a:bodyPr/>
+                    <a:lstStyle/>
+                    <a:p>
+                      <a:r>
+                        <a:rPr lang="id-ID" dirty="0"/>
+                        <a:t>Pendaftar, verificator</a:t>
+                      </a:r>
+                    </a:p>
+                  </a:txBody>
+                  <a:tcPr/>
+                </a:tc>
+                <a:extLst>
+                  <a:ext uri="{0D108BD9-81ED-4DB2-BD59-A6C34878D82A}">
+                    <a16:rowId xmlns:a16="http://schemas.microsoft.com/office/drawing/2014/main" val="2344956281"/>
+                  </a:ext>
+                </a:extLst>
+              </a:tr>
+              <a:tr h="276452">
+                <a:tc>
+                  <a:txBody>
+                    <a:bodyPr/>
+                    <a:lstStyle/>
+                    <a:p>
+                      <a:r>
+                        <a:rPr lang="id-ID" dirty="0"/>
+                        <a:t>Terdaftar</a:t>
+                      </a:r>
+                    </a:p>
+                  </a:txBody>
+                  <a:tcPr/>
+                </a:tc>
+                <a:tc>
+                  <a:txBody>
+                    <a:bodyPr/>
+                    <a:lstStyle/>
+                    <a:p>
+                      <a:r>
+                        <a:rPr lang="id-ID" dirty="0"/>
+                        <a:t>Verificator</a:t>
+                      </a:r>
+                    </a:p>
+                  </a:txBody>
+                  <a:tcPr/>
+                </a:tc>
+                <a:extLst>
+                  <a:ext uri="{0D108BD9-81ED-4DB2-BD59-A6C34878D82A}">
+                    <a16:rowId xmlns:a16="http://schemas.microsoft.com/office/drawing/2014/main" val="2994002690"/>
+                  </a:ext>
+                </a:extLst>
+              </a:tr>
+              <a:tr h="276452">
+                <a:tc>
+                  <a:txBody>
+                    <a:bodyPr/>
+                    <a:lstStyle/>
+                    <a:p>
+                      <a:r>
+                        <a:rPr lang="id-ID" dirty="0"/>
+                        <a:t>Review</a:t>
+                      </a:r>
+                    </a:p>
+                  </a:txBody>
+                  <a:tcPr/>
+                </a:tc>
+                <a:tc>
+                  <a:txBody>
+                    <a:bodyPr/>
+                    <a:lstStyle/>
+                    <a:p>
+                      <a:r>
+                        <a:rPr lang="id-ID" dirty="0"/>
+                        <a:t>Verficator</a:t>
+                      </a:r>
+                    </a:p>
+                  </a:txBody>
+                  <a:tcPr/>
+                </a:tc>
+                <a:extLst>
+                  <a:ext uri="{0D108BD9-81ED-4DB2-BD59-A6C34878D82A}">
+                    <a16:rowId xmlns:a16="http://schemas.microsoft.com/office/drawing/2014/main" val="2454681494"/>
+                  </a:ext>
+                </a:extLst>
+              </a:tr>
+              <a:tr h="276452">
+                <a:tc>
+                  <a:txBody>
+                    <a:bodyPr/>
+                    <a:lstStyle/>
+                    <a:p>
+                      <a:r>
+                        <a:rPr lang="id-ID" dirty="0"/>
+                        <a:t>Rejected</a:t>
+                      </a:r>
+                    </a:p>
+                  </a:txBody>
+                  <a:tcPr/>
+                </a:tc>
+                <a:tc>
+                  <a:txBody>
+                    <a:bodyPr/>
+                    <a:lstStyle/>
+                    <a:p>
+                      <a:pPr marL="0" marR="0" lvl="0" indent="0" algn="l" defTabSz="914400" rtl="0" eaLnBrk="1" fontAlgn="auto" latinLnBrk="0" hangingPunct="1">
+                        <a:lnSpc>
+                          <a:spcPct val="100000"/>
+                        </a:lnSpc>
+                        <a:spcBef>
+                          <a:spcPts val="0"/>
+                        </a:spcBef>
+                        <a:spcAft>
+                          <a:spcPts val="0"/>
+                        </a:spcAft>
+                        <a:buClrTx/>
+                        <a:buSzTx/>
+                        <a:buFontTx/>
+                        <a:buNone/>
+                        <a:tabLst/>
+                        <a:defRPr/>
+                      </a:pPr>
+                      <a:r>
+                        <a:rPr lang="id-ID" dirty="0"/>
+                        <a:t>Verificator</a:t>
+                      </a:r>
+                    </a:p>
+                  </a:txBody>
+                  <a:tcPr/>
+                </a:tc>
+                <a:extLst>
+                  <a:ext uri="{0D108BD9-81ED-4DB2-BD59-A6C34878D82A}">
+                    <a16:rowId xmlns:a16="http://schemas.microsoft.com/office/drawing/2014/main" val="3187053659"/>
+                  </a:ext>
+                </a:extLst>
+              </a:tr>
+              <a:tr h="276452">
+                <a:tc>
+                  <a:txBody>
+                    <a:bodyPr/>
+                    <a:lstStyle/>
+                    <a:p>
+                      <a:r>
+                        <a:rPr lang="id-ID" dirty="0"/>
+                        <a:t>Sekeksi</a:t>
+                      </a:r>
+                    </a:p>
+                  </a:txBody>
+                  <a:tcPr/>
+                </a:tc>
+                <a:tc>
+                  <a:txBody>
+                    <a:bodyPr/>
+                    <a:lstStyle/>
+                    <a:p>
+                      <a:pPr marL="0" marR="0" lvl="0" indent="0" algn="l" defTabSz="914400" rtl="0" eaLnBrk="1" fontAlgn="auto" latinLnBrk="0" hangingPunct="1">
+                        <a:lnSpc>
+                          <a:spcPct val="100000"/>
+                        </a:lnSpc>
+                        <a:spcBef>
+                          <a:spcPts val="0"/>
+                        </a:spcBef>
+                        <a:spcAft>
+                          <a:spcPts val="0"/>
+                        </a:spcAft>
+                        <a:buClrTx/>
+                        <a:buSzTx/>
+                        <a:buFontTx/>
+                        <a:buNone/>
+                        <a:tabLst/>
+                        <a:defRPr/>
+                      </a:pPr>
+                      <a:r>
+                        <a:rPr lang="id-ID" dirty="0"/>
+                        <a:t>Verficator, pendaftar</a:t>
+                      </a:r>
+                    </a:p>
+                  </a:txBody>
+                  <a:tcPr/>
+                </a:tc>
+                <a:extLst>
+                  <a:ext uri="{0D108BD9-81ED-4DB2-BD59-A6C34878D82A}">
+                    <a16:rowId xmlns:a16="http://schemas.microsoft.com/office/drawing/2014/main" val="4096451424"/>
+                  </a:ext>
+                </a:extLst>
+              </a:tr>
+              <a:tr h="276452">
+                <a:tc>
+                  <a:txBody>
+                    <a:bodyPr/>
+                    <a:lstStyle/>
+                    <a:p>
+                      <a:r>
+                        <a:rPr lang="id-ID" dirty="0"/>
+                        <a:t>Accepted</a:t>
+                      </a:r>
+                    </a:p>
+                  </a:txBody>
+                  <a:tcPr/>
+                </a:tc>
+                <a:tc>
+                  <a:txBody>
+                    <a:bodyPr/>
+                    <a:lstStyle/>
+                    <a:p>
+                      <a:pPr marL="0" marR="0" lvl="0" indent="0" algn="l" defTabSz="914400" rtl="0" eaLnBrk="1" fontAlgn="auto" latinLnBrk="0" hangingPunct="1">
+                        <a:lnSpc>
+                          <a:spcPct val="100000"/>
+                        </a:lnSpc>
+                        <a:spcBef>
+                          <a:spcPts val="0"/>
+                        </a:spcBef>
+                        <a:spcAft>
+                          <a:spcPts val="0"/>
+                        </a:spcAft>
+                        <a:buClrTx/>
+                        <a:buSzTx/>
+                        <a:buFontTx/>
+                        <a:buNone/>
+                        <a:tabLst/>
+                        <a:defRPr/>
+                      </a:pPr>
+                      <a:r>
+                        <a:rPr lang="id-ID" dirty="0"/>
+                        <a:t>Verificator</a:t>
+                      </a:r>
+                    </a:p>
+                  </a:txBody>
+                  <a:tcPr/>
+                </a:tc>
+                <a:extLst>
+                  <a:ext uri="{0D108BD9-81ED-4DB2-BD59-A6C34878D82A}">
+                    <a16:rowId xmlns:a16="http://schemas.microsoft.com/office/drawing/2014/main" val="2303791855"/>
+                  </a:ext>
+                </a:extLst>
+              </a:tr>
+            </a:tbl>
+          </a:graphicData>
+        </a:graphic>
+      </p:graphicFrame>
     </p:spTree>
     <p:extLst>
       <p:ext uri="{BB962C8B-B14F-4D97-AF65-F5344CB8AC3E}">
@@ -4509,17 +4751,10 @@
   <p:clrMapOvr>
     <a:masterClrMapping/>
   </p:clrMapOvr>
-  <p:timing>
-    <p:tnLst>
-      <p:par>
-        <p:cTn id="1" dur="indefinite" restart="never" nodeType="tmRoot"/>
-      </p:par>
-    </p:tnLst>
-  </p:timing>
 </p:sld>
 </file>
 
-<file path=ppt/slides/slide14.xml><?xml version="1.0" encoding="utf-8"?>
+<file path=ppt/slides/slide13.xml><?xml version="1.0" encoding="utf-8"?>
 <p:sld xmlns:a="http://schemas.openxmlformats.org/drawingml/2006/main" xmlns:r="http://schemas.openxmlformats.org/officeDocument/2006/relationships" xmlns:p="http://schemas.openxmlformats.org/presentationml/2006/main">
   <p:cSld>
     <p:spTree>
@@ -4557,18 +4792,17 @@
           <a:lstStyle/>
           <a:p>
             <a:r>
-              <a:rPr lang="en-US" dirty="0" smtClean="0"/>
+              <a:rPr lang="en-US" dirty="0"/>
               <a:t>Diagram </a:t>
             </a:r>
             <a:r>
-              <a:rPr lang="en-US" dirty="0" err="1" smtClean="0"/>
+              <a:rPr lang="en-US" dirty="0" err="1"/>
               <a:t>Konteks</a:t>
             </a:r>
             <a:r>
-              <a:rPr lang="en-US" dirty="0" smtClean="0"/>
+              <a:rPr lang="en-US" dirty="0"/>
               <a:t> </a:t>
             </a:r>
-            <a:endParaRPr lang="en-US" dirty="0"/>
           </a:p>
         </p:txBody>
       </p:sp>
@@ -4623,13 +4857,151 @@
   <p:clrMapOvr>
     <a:masterClrMapping/>
   </p:clrMapOvr>
-  <p:timing>
-    <p:tnLst>
-      <p:par>
-        <p:cTn id="1" dur="indefinite" restart="never" nodeType="tmRoot"/>
-      </p:par>
-    </p:tnLst>
-  </p:timing>
+</p:sld>
+</file>
+
+<file path=ppt/slides/slide14.xml><?xml version="1.0" encoding="utf-8"?>
+<p:sld xmlns:a="http://schemas.openxmlformats.org/drawingml/2006/main" xmlns:r="http://schemas.openxmlformats.org/officeDocument/2006/relationships" xmlns:p="http://schemas.openxmlformats.org/presentationml/2006/main">
+  <p:cSld>
+    <p:spTree>
+      <p:nvGrpSpPr>
+        <p:cNvPr id="1" name=""/>
+        <p:cNvGrpSpPr/>
+        <p:nvPr/>
+      </p:nvGrpSpPr>
+      <p:grpSpPr>
+        <a:xfrm>
+          <a:off x="0" y="0"/>
+          <a:ext cx="0" cy="0"/>
+          <a:chOff x="0" y="0"/>
+          <a:chExt cx="0" cy="0"/>
+        </a:xfrm>
+      </p:grpSpPr>
+      <p:sp>
+        <p:nvSpPr>
+          <p:cNvPr id="3" name="Content Placeholder 2"/>
+          <p:cNvSpPr>
+            <a:spLocks noGrp="1"/>
+          </p:cNvSpPr>
+          <p:nvPr>
+            <p:ph sz="quarter" idx="1"/>
+          </p:nvPr>
+        </p:nvSpPr>
+        <p:spPr>
+          <a:xfrm>
+            <a:off x="457200" y="609600"/>
+            <a:ext cx="8229600" cy="5516563"/>
+          </a:xfrm>
+        </p:spPr>
+        <p:txBody>
+          <a:bodyPr/>
+          <a:lstStyle/>
+          <a:p>
+            <a:r>
+              <a:rPr lang="en-US" b="1" dirty="0"/>
+              <a:t>Requirement </a:t>
+            </a:r>
+            <a:r>
+              <a:rPr lang="en-US" b="1" dirty="0" err="1"/>
+              <a:t>Sistem</a:t>
+            </a:r>
+            <a:endParaRPr lang="en-US" b="1" dirty="0"/>
+          </a:p>
+          <a:p>
+            <a:pPr marL="514350" indent="-514350">
+              <a:buFont typeface="+mj-lt"/>
+              <a:buAutoNum type="arabicPeriod"/>
+            </a:pPr>
+            <a:r>
+              <a:rPr lang="en-US" dirty="0" err="1"/>
+              <a:t>Metode</a:t>
+            </a:r>
+            <a:r>
+              <a:rPr lang="en-US" dirty="0"/>
+              <a:t> Agile &amp; Scrum</a:t>
+            </a:r>
+          </a:p>
+          <a:p>
+            <a:pPr marL="514350" indent="-514350">
+              <a:buFont typeface="+mj-lt"/>
+              <a:buAutoNum type="arabicPeriod"/>
+            </a:pPr>
+            <a:r>
+              <a:rPr lang="en-US" dirty="0"/>
+              <a:t>Workflow Configuration</a:t>
+            </a:r>
+          </a:p>
+          <a:p>
+            <a:pPr marL="514350" indent="-514350">
+              <a:buFont typeface="+mj-lt"/>
+              <a:buAutoNum type="arabicPeriod"/>
+            </a:pPr>
+            <a:r>
+              <a:rPr lang="en-US" dirty="0"/>
+              <a:t>MySQL</a:t>
+            </a:r>
+          </a:p>
+          <a:p>
+            <a:pPr marL="514350" indent="-514350">
+              <a:buFont typeface="+mj-lt"/>
+              <a:buAutoNum type="arabicPeriod"/>
+            </a:pPr>
+            <a:r>
+              <a:rPr lang="en-US" dirty="0" err="1"/>
+              <a:t>Laravel</a:t>
+            </a:r>
+            <a:endParaRPr lang="en-US" dirty="0"/>
+          </a:p>
+          <a:p>
+            <a:pPr marL="514350" indent="-514350">
+              <a:buFont typeface="+mj-lt"/>
+              <a:buAutoNum type="arabicPeriod"/>
+            </a:pPr>
+            <a:r>
+              <a:rPr lang="en-US" dirty="0"/>
+              <a:t>Vue.js</a:t>
+            </a:r>
+          </a:p>
+          <a:p>
+            <a:pPr marL="514350" indent="-514350">
+              <a:buFont typeface="+mj-lt"/>
+              <a:buAutoNum type="arabicPeriod"/>
+            </a:pPr>
+            <a:endParaRPr lang="en-US" dirty="0"/>
+          </a:p>
+          <a:p>
+            <a:pPr marL="514350" indent="-514350">
+              <a:buFont typeface="+mj-lt"/>
+              <a:buAutoNum type="arabicPeriod"/>
+            </a:pPr>
+            <a:endParaRPr lang="en-US" dirty="0"/>
+          </a:p>
+          <a:p>
+            <a:pPr marL="514350" indent="-514350">
+              <a:buFont typeface="+mj-lt"/>
+              <a:buAutoNum type="arabicPeriod"/>
+            </a:pPr>
+            <a:endParaRPr lang="en-US" dirty="0"/>
+          </a:p>
+          <a:p>
+            <a:pPr marL="514350" indent="-514350">
+              <a:buFont typeface="+mj-lt"/>
+              <a:buAutoNum type="arabicPeriod"/>
+            </a:pPr>
+            <a:endParaRPr lang="en-US" dirty="0"/>
+          </a:p>
+        </p:txBody>
+      </p:sp>
+    </p:spTree>
+    <p:extLst>
+      <p:ext uri="{BB962C8B-B14F-4D97-AF65-F5344CB8AC3E}">
+        <p14:creationId xmlns:p14="http://schemas.microsoft.com/office/powerpoint/2010/main" val="4108501425"/>
+      </p:ext>
+    </p:extLst>
+  </p:cSld>
+  <p:clrMapOvr>
+    <a:masterClrMapping/>
+  </p:clrMapOvr>
 </p:sld>
 </file>
 
@@ -4652,163 +5024,6 @@
       </p:grpSpPr>
       <p:sp>
         <p:nvSpPr>
-          <p:cNvPr id="3" name="Content Placeholder 2"/>
-          <p:cNvSpPr>
-            <a:spLocks noGrp="1"/>
-          </p:cNvSpPr>
-          <p:nvPr>
-            <p:ph sz="quarter" idx="1"/>
-          </p:nvPr>
-        </p:nvSpPr>
-        <p:spPr>
-          <a:xfrm>
-            <a:off x="457200" y="609600"/>
-            <a:ext cx="8229600" cy="5516563"/>
-          </a:xfrm>
-        </p:spPr>
-        <p:txBody>
-          <a:bodyPr/>
-          <a:lstStyle/>
-          <a:p>
-            <a:r>
-              <a:rPr lang="en-US" b="1" dirty="0" smtClean="0"/>
-              <a:t>Requirement </a:t>
-            </a:r>
-            <a:r>
-              <a:rPr lang="en-US" b="1" dirty="0" err="1" smtClean="0"/>
-              <a:t>Sistem</a:t>
-            </a:r>
-            <a:endParaRPr lang="en-US" b="1" dirty="0" smtClean="0"/>
-          </a:p>
-          <a:p>
-            <a:pPr marL="514350" indent="-514350">
-              <a:buFont typeface="+mj-lt"/>
-              <a:buAutoNum type="arabicPeriod"/>
-            </a:pPr>
-            <a:r>
-              <a:rPr lang="en-US" dirty="0" err="1" smtClean="0"/>
-              <a:t>Metode</a:t>
-            </a:r>
-            <a:r>
-              <a:rPr lang="en-US" dirty="0" smtClean="0"/>
-              <a:t> Agile &amp; Scrum</a:t>
-            </a:r>
-          </a:p>
-          <a:p>
-            <a:pPr marL="514350" indent="-514350">
-              <a:buFont typeface="+mj-lt"/>
-              <a:buAutoNum type="arabicPeriod"/>
-            </a:pPr>
-            <a:r>
-              <a:rPr lang="en-US" dirty="0" smtClean="0"/>
-              <a:t>Workflow </a:t>
-            </a:r>
-            <a:r>
-              <a:rPr lang="en-US" dirty="0" smtClean="0"/>
-              <a:t>Configuration</a:t>
-            </a:r>
-            <a:endParaRPr lang="en-US" dirty="0" smtClean="0"/>
-          </a:p>
-          <a:p>
-            <a:pPr marL="514350" indent="-514350">
-              <a:buFont typeface="+mj-lt"/>
-              <a:buAutoNum type="arabicPeriod"/>
-            </a:pPr>
-            <a:r>
-              <a:rPr lang="en-US" dirty="0" smtClean="0"/>
-              <a:t>MySQL</a:t>
-            </a:r>
-          </a:p>
-          <a:p>
-            <a:pPr marL="514350" indent="-514350">
-              <a:buFont typeface="+mj-lt"/>
-              <a:buAutoNum type="arabicPeriod"/>
-            </a:pPr>
-            <a:r>
-              <a:rPr lang="en-US" dirty="0" err="1" smtClean="0"/>
-              <a:t>Laravel</a:t>
-            </a:r>
-            <a:endParaRPr lang="en-US" dirty="0" smtClean="0"/>
-          </a:p>
-          <a:p>
-            <a:pPr marL="514350" indent="-514350">
-              <a:buFont typeface="+mj-lt"/>
-              <a:buAutoNum type="arabicPeriod"/>
-            </a:pPr>
-            <a:r>
-              <a:rPr lang="en-US" dirty="0" smtClean="0"/>
-              <a:t>Vue.js</a:t>
-            </a:r>
-          </a:p>
-          <a:p>
-            <a:pPr marL="514350" indent="-514350">
-              <a:buFont typeface="+mj-lt"/>
-              <a:buAutoNum type="arabicPeriod"/>
-            </a:pPr>
-            <a:endParaRPr lang="en-US" dirty="0" smtClean="0"/>
-          </a:p>
-          <a:p>
-            <a:pPr marL="514350" indent="-514350">
-              <a:buFont typeface="+mj-lt"/>
-              <a:buAutoNum type="arabicPeriod"/>
-            </a:pPr>
-            <a:endParaRPr lang="en-US" dirty="0" smtClean="0"/>
-          </a:p>
-          <a:p>
-            <a:pPr marL="514350" indent="-514350">
-              <a:buFont typeface="+mj-lt"/>
-              <a:buAutoNum type="arabicPeriod"/>
-            </a:pPr>
-            <a:endParaRPr lang="en-US" dirty="0" smtClean="0"/>
-          </a:p>
-          <a:p>
-            <a:pPr marL="514350" indent="-514350">
-              <a:buFont typeface="+mj-lt"/>
-              <a:buAutoNum type="arabicPeriod"/>
-            </a:pPr>
-            <a:endParaRPr lang="en-US" dirty="0"/>
-          </a:p>
-        </p:txBody>
-      </p:sp>
-    </p:spTree>
-    <p:extLst>
-      <p:ext uri="{BB962C8B-B14F-4D97-AF65-F5344CB8AC3E}">
-        <p14:creationId xmlns:p14="http://schemas.microsoft.com/office/powerpoint/2010/main" val="4108501425"/>
-      </p:ext>
-    </p:extLst>
-  </p:cSld>
-  <p:clrMapOvr>
-    <a:masterClrMapping/>
-  </p:clrMapOvr>
-  <p:timing>
-    <p:tnLst>
-      <p:par>
-        <p:cTn id="1" dur="indefinite" restart="never" nodeType="tmRoot"/>
-      </p:par>
-    </p:tnLst>
-  </p:timing>
-</p:sld>
-</file>
-
-<file path=ppt/slides/slide16.xml><?xml version="1.0" encoding="utf-8"?>
-<p:sld xmlns:a="http://schemas.openxmlformats.org/drawingml/2006/main" xmlns:r="http://schemas.openxmlformats.org/officeDocument/2006/relationships" xmlns:p="http://schemas.openxmlformats.org/presentationml/2006/main">
-  <p:cSld>
-    <p:spTree>
-      <p:nvGrpSpPr>
-        <p:cNvPr id="1" name=""/>
-        <p:cNvGrpSpPr/>
-        <p:nvPr/>
-      </p:nvGrpSpPr>
-      <p:grpSpPr>
-        <a:xfrm>
-          <a:off x="0" y="0"/>
-          <a:ext cx="0" cy="0"/>
-          <a:chOff x="0" y="0"/>
-          <a:chExt cx="0" cy="0"/>
-        </a:xfrm>
-      </p:grpSpPr>
-      <p:sp>
-        <p:nvSpPr>
           <p:cNvPr id="2" name="Title 1"/>
           <p:cNvSpPr>
             <a:spLocks noGrp="1"/>
@@ -4823,15 +5038,15 @@
           <a:lstStyle/>
           <a:p>
             <a:r>
-              <a:rPr lang="en-US" b="1" dirty="0" err="1" smtClean="0"/>
+              <a:rPr lang="en-US" b="1" dirty="0" err="1"/>
               <a:t>Jadwal</a:t>
             </a:r>
             <a:r>
-              <a:rPr lang="en-US" b="1" dirty="0" smtClean="0"/>
+              <a:rPr lang="en-US" b="1" dirty="0"/>
               <a:t> </a:t>
             </a:r>
             <a:r>
-              <a:rPr lang="en-US" b="1" dirty="0" err="1" smtClean="0"/>
+              <a:rPr lang="en-US" b="1" dirty="0" err="1"/>
               <a:t>Kegiatan</a:t>
             </a:r>
             <a:endParaRPr lang="en-US" b="1" dirty="0"/>
@@ -4914,13 +5129,69 @@
   <p:clrMapOvr>
     <a:masterClrMapping/>
   </p:clrMapOvr>
-  <p:timing>
-    <p:tnLst>
-      <p:par>
-        <p:cTn id="1" dur="indefinite" restart="never" nodeType="tmRoot"/>
-      </p:par>
-    </p:tnLst>
-  </p:timing>
+</p:sld>
+</file>
+
+<file path=ppt/slides/slide16.xml><?xml version="1.0" encoding="utf-8"?>
+<p:sld xmlns:a="http://schemas.openxmlformats.org/drawingml/2006/main" xmlns:r="http://schemas.openxmlformats.org/officeDocument/2006/relationships" xmlns:p="http://schemas.openxmlformats.org/presentationml/2006/main">
+  <p:cSld>
+    <p:spTree>
+      <p:nvGrpSpPr>
+        <p:cNvPr id="1" name=""/>
+        <p:cNvGrpSpPr/>
+        <p:nvPr/>
+      </p:nvGrpSpPr>
+      <p:grpSpPr>
+        <a:xfrm>
+          <a:off x="0" y="0"/>
+          <a:ext cx="0" cy="0"/>
+          <a:chOff x="0" y="0"/>
+          <a:chExt cx="0" cy="0"/>
+        </a:xfrm>
+      </p:grpSpPr>
+      <p:sp>
+        <p:nvSpPr>
+          <p:cNvPr id="2" name="Title 1">
+            <a:extLst>
+              <a:ext uri="{FF2B5EF4-FFF2-40B4-BE49-F238E27FC236}">
+                <a16:creationId xmlns:a16="http://schemas.microsoft.com/office/drawing/2014/main" id="{1BEE4319-F908-46FF-8E5B-D64430276FDC}"/>
+              </a:ext>
+            </a:extLst>
+          </p:cNvPr>
+          <p:cNvSpPr>
+            <a:spLocks noGrp="1"/>
+          </p:cNvSpPr>
+          <p:nvPr>
+            <p:ph type="title"/>
+          </p:nvPr>
+        </p:nvSpPr>
+        <p:spPr>
+          <a:xfrm>
+            <a:off x="457200" y="3810000"/>
+            <a:ext cx="8229600" cy="914400"/>
+          </a:xfrm>
+        </p:spPr>
+        <p:txBody>
+          <a:bodyPr/>
+          <a:lstStyle/>
+          <a:p>
+            <a:r>
+              <a:rPr lang="id-ID" b="1" dirty="0"/>
+              <a:t>Terimakasih</a:t>
+            </a:r>
+          </a:p>
+        </p:txBody>
+      </p:sp>
+    </p:spTree>
+    <p:extLst>
+      <p:ext uri="{BB962C8B-B14F-4D97-AF65-F5344CB8AC3E}">
+        <p14:creationId xmlns:p14="http://schemas.microsoft.com/office/powerpoint/2010/main" val="954689784"/>
+      </p:ext>
+    </p:extLst>
+  </p:cSld>
+  <p:clrMapOvr>
+    <a:masterClrMapping/>
+  </p:clrMapOvr>
 </p:sld>
 </file>
 
@@ -4962,7 +5233,7 @@
           <a:lstStyle/>
           <a:p>
             <a:r>
-              <a:rPr lang="en-US" b="1" dirty="0" err="1" smtClean="0"/>
+              <a:rPr lang="en-US" b="1" dirty="0" err="1"/>
               <a:t>Judul</a:t>
             </a:r>
             <a:endParaRPr lang="en-US" b="1" dirty="0"/>
@@ -5013,13 +5284,6 @@
   <p:clrMapOvr>
     <a:masterClrMapping/>
   </p:clrMapOvr>
-  <p:timing>
-    <p:tnLst>
-      <p:par>
-        <p:cTn id="1" dur="indefinite" restart="never" nodeType="tmRoot"/>
-      </p:par>
-    </p:tnLst>
-  </p:timing>
 </p:sld>
 </file>
 
@@ -5056,15 +5320,15 @@
           <a:lstStyle/>
           <a:p>
             <a:r>
-              <a:rPr lang="en-US" b="1" dirty="0" err="1" smtClean="0"/>
+              <a:rPr lang="en-US" b="1" dirty="0" err="1"/>
               <a:t>Latar</a:t>
             </a:r>
             <a:r>
-              <a:rPr lang="en-US" b="1" dirty="0" smtClean="0"/>
+              <a:rPr lang="en-US" b="1" dirty="0"/>
               <a:t> </a:t>
             </a:r>
             <a:r>
-              <a:rPr lang="en-US" b="1" dirty="0" err="1" smtClean="0"/>
+              <a:rPr lang="en-US" b="1" dirty="0" err="1"/>
               <a:t>Belakang</a:t>
             </a:r>
             <a:endParaRPr lang="en-US" b="1" dirty="0"/>
@@ -5084,48 +5348,33 @@
         <p:spPr/>
         <p:txBody>
           <a:bodyPr>
-            <a:normAutofit/>
+            <a:normAutofit fontScale="77500" lnSpcReduction="20000"/>
           </a:bodyPr>
           <a:lstStyle/>
           <a:p>
+            <a:endParaRPr lang="id-ID" dirty="0"/>
+          </a:p>
+          <a:p>
+            <a:pPr marL="0" indent="0" algn="just">
+              <a:buNone/>
+            </a:pPr>
             <a:r>
               <a:rPr lang="id-ID" dirty="0"/>
-              <a:t>Pada dasarnya penerapan sistem informasi penerimaan siswa magang di software house </a:t>
-            </a:r>
-            <a:r>
-              <a:rPr lang="id-ID" dirty="0" smtClean="0"/>
-              <a:t>DOT</a:t>
-            </a:r>
-            <a:r>
-              <a:rPr lang="en-US" dirty="0" smtClean="0"/>
-              <a:t> Indonesia,</a:t>
-            </a:r>
-            <a:r>
-              <a:rPr lang="id-ID" dirty="0" smtClean="0"/>
-              <a:t> </a:t>
-            </a:r>
+              <a:t>	Pada dasarnya penerapan sistem informasi penerimaan siswa magang di software house DOT sudah menerapkan teknologi berbasis web yang memudahkan calon siswa magang untuk mencari informasi magang. </a:t>
+            </a:r>
+          </a:p>
+          <a:p>
+            <a:pPr algn="just"/>
             <a:r>
               <a:rPr lang="id-ID" dirty="0"/>
-              <a:t>sudah menerapkan teknologi berbasis web yang memudahkan calon siswa magang untuk mencari informasi magang. </a:t>
-            </a:r>
-            <a:endParaRPr lang="en-US" dirty="0" smtClean="0"/>
-          </a:p>
-          <a:p>
-            <a:r>
-              <a:rPr lang="en-US" dirty="0" err="1" smtClean="0"/>
-              <a:t>Namun</a:t>
-            </a:r>
-            <a:r>
-              <a:rPr lang="en-US" dirty="0" smtClean="0"/>
-              <a:t>, </a:t>
-            </a:r>
-            <a:r>
-              <a:rPr lang="id-ID" dirty="0" smtClean="0"/>
-              <a:t>informasi </a:t>
-            </a:r>
+              <a:t>Akan tetapi sistem informasi tersebut dinilai kurang efisien, karena penerimaan informasi hasil tes magang yang diterima oleh calon siswa magang masih membutuhkan waktu yang cukup lama dikarenakan keterbatasan karyawan untuk mengolah data. </a:t>
+            </a:r>
+          </a:p>
+          <a:p>
+            <a:pPr algn="just"/>
             <a:r>
               <a:rPr lang="id-ID" dirty="0"/>
-              <a:t>magang  yang diberikan pada pendaftar dinilai kurang </a:t>
+              <a:t>Selain itu, informasi magang  yang diberikan pada pendaftar dinilai kurang </a:t>
             </a:r>
             <a:r>
               <a:rPr lang="id-ID" i="1" dirty="0"/>
@@ -5133,13 +5382,17 @@
             </a:r>
             <a:r>
               <a:rPr lang="id-ID" dirty="0"/>
-              <a:t> menyebabkan calon siswa magang kesulitan mendapatkan informasi terbaru tentang pendaftaran serta harus menunggu cukup lama untuk mendapatkan informasi dari setiap rangkaian pendaftaran</a:t>
-            </a:r>
-            <a:r>
-              <a:rPr lang="id-ID" dirty="0" smtClean="0"/>
-              <a:t>.</a:t>
-            </a:r>
-            <a:endParaRPr lang="en-US" dirty="0" smtClean="0"/>
+              <a:t> menyebabkan calon siswa magang kesulitan mendapatkan informasi terbaru tentang pendaftaran serta harus menunggu cukup lama untuk mendapatkan informasi dari setiap rangkaian pendaftaran. </a:t>
+            </a:r>
+          </a:p>
+          <a:p>
+            <a:pPr marL="0" indent="0" algn="just">
+              <a:buNone/>
+            </a:pPr>
+            <a:r>
+              <a:rPr lang="id-ID" dirty="0"/>
+              <a:t>	Dengan demikian, dibutuhkan sebuah sistem informasi yang dapat memberikan informasi terkini magang, pendaftaran dan sistem seleksi yang efektif serta efisien sehingga pendaftar dapat menerima informasi penerimaan magang dengan efisien dan transparan.</a:t>
+            </a:r>
           </a:p>
         </p:txBody>
       </p:sp>
@@ -5153,13 +5406,6 @@
   <p:clrMapOvr>
     <a:masterClrMapping/>
   </p:clrMapOvr>
-  <p:timing>
-    <p:tnLst>
-      <p:par>
-        <p:cTn id="1" dur="indefinite" restart="never" nodeType="tmRoot"/>
-      </p:par>
-    </p:tnLst>
-  </p:timing>
 </p:sld>
 </file>
 
@@ -5215,22 +5461,9 @@
           <a:lstStyle/>
           <a:p>
             <a:r>
-              <a:rPr lang="en-US" dirty="0" smtClean="0"/>
-              <a:t>Dan </a:t>
-            </a:r>
-            <a:r>
-              <a:rPr lang="en-US" dirty="0" err="1" smtClean="0"/>
-              <a:t>juga</a:t>
-            </a:r>
-            <a:r>
-              <a:rPr lang="en-US" dirty="0" smtClean="0"/>
-              <a:t> </a:t>
-            </a:r>
-            <a:r>
-              <a:rPr lang="id-ID" dirty="0" smtClean="0"/>
-              <a:t>sistem informasi tersebut dinilai kurang efisien, karena penerimaan informasi hasil tes magang yang diterima oleh calon siswa magang masih membutuhkan waktu yang cukup lama dikarenakan keterbatasan karyawan untuk mengolah data.</a:t>
-            </a:r>
-            <a:endParaRPr lang="en-US" dirty="0" smtClean="0"/>
+              <a:rPr lang="id-ID" dirty="0"/>
+              <a:t> Berdasarkan latar belakang diatas, kami memiliki gagasan untuk mengembangkan sistem Rancang Bangun Kerangka Kerja Sistem Informasi Penerimaan Siswa Magang di PT Digdaya Olah Teknologi Indonesia yang dapat membantu manager divisi magang untuk mengolah data siswa magang lebih mudah dan cepat, serta memberikan kemudahan pada pendaftar magang untuk mencari informasi magang terbaru, kemudahan tes seleksi, serta dapat menerima rangkaian informasi penerimaan lebih efisien dan transparan.</a:t>
+            </a:r>
           </a:p>
           <a:p>
             <a:endParaRPr lang="en-US" dirty="0"/>
@@ -5247,13 +5480,6 @@
   <p:clrMapOvr>
     <a:masterClrMapping/>
   </p:clrMapOvr>
-  <p:timing>
-    <p:tnLst>
-      <p:par>
-        <p:cTn id="1" dur="indefinite" restart="never" nodeType="tmRoot"/>
-      </p:par>
-    </p:tnLst>
-  </p:timing>
 </p:sld>
 </file>
 
@@ -5276,6 +5502,37 @@
       </p:grpSpPr>
       <p:sp>
         <p:nvSpPr>
+          <p:cNvPr id="2" name="Title 1"/>
+          <p:cNvSpPr>
+            <a:spLocks noGrp="1"/>
+          </p:cNvSpPr>
+          <p:nvPr>
+            <p:ph type="title"/>
+          </p:nvPr>
+        </p:nvSpPr>
+        <p:spPr/>
+        <p:txBody>
+          <a:bodyPr/>
+          <a:lstStyle/>
+          <a:p>
+            <a:r>
+              <a:rPr lang="en-US" b="1" dirty="0" err="1"/>
+              <a:t>Rumusan</a:t>
+            </a:r>
+            <a:r>
+              <a:rPr lang="en-US" b="1" dirty="0"/>
+              <a:t> </a:t>
+            </a:r>
+            <a:r>
+              <a:rPr lang="en-US" b="1" dirty="0" err="1"/>
+              <a:t>Masalah</a:t>
+            </a:r>
+            <a:endParaRPr lang="en-US" b="1" dirty="0"/>
+          </a:p>
+        </p:txBody>
+      </p:sp>
+      <p:sp>
+        <p:nvSpPr>
           <p:cNvPr id="3" name="Content Placeholder 2"/>
           <p:cNvSpPr>
             <a:spLocks noGrp="1"/>
@@ -5284,75 +5541,43 @@
             <p:ph sz="quarter" idx="1"/>
           </p:nvPr>
         </p:nvSpPr>
-        <p:spPr>
-          <a:xfrm>
-            <a:off x="457200" y="1066800"/>
-            <a:ext cx="8229600" cy="4525963"/>
-          </a:xfrm>
-        </p:spPr>
-        <p:txBody>
-          <a:bodyPr>
-            <a:normAutofit/>
-          </a:bodyPr>
-          <a:lstStyle/>
-          <a:p>
-            <a:r>
-              <a:rPr lang="en-US" dirty="0" err="1" smtClean="0"/>
-              <a:t>Dengan</a:t>
-            </a:r>
-            <a:r>
-              <a:rPr lang="en-US" dirty="0" smtClean="0"/>
-              <a:t> </a:t>
-            </a:r>
-            <a:r>
-              <a:rPr lang="en-US" dirty="0" err="1" smtClean="0"/>
-              <a:t>demikian</a:t>
-            </a:r>
-            <a:r>
-              <a:rPr lang="en-US" dirty="0" smtClean="0"/>
-              <a:t>, </a:t>
-            </a:r>
+        <p:spPr/>
+        <p:txBody>
+          <a:bodyPr/>
+          <a:lstStyle/>
+          <a:p>
+            <a:pPr lvl="0"/>
             <a:r>
               <a:rPr lang="id-ID" dirty="0"/>
-              <a:t>kami memiliki gagasan untuk mengembangkan sistem Rancang Bangun Kerangka Kerja Sistem Informasi Penerimaan Siswa Magang di Software House </a:t>
-            </a:r>
-            <a:r>
-              <a:rPr lang="id-ID" dirty="0" smtClean="0"/>
-              <a:t>DOT</a:t>
-            </a:r>
-            <a:r>
-              <a:rPr lang="en-US" dirty="0" smtClean="0"/>
-              <a:t> Indonesia</a:t>
-            </a:r>
-            <a:r>
-              <a:rPr lang="id-ID" dirty="0" smtClean="0"/>
-              <a:t> </a:t>
-            </a:r>
+              <a:t>Bagaimana merancang sebuah sistem informasi yang dapat memberikan proses pendaftaran dengan mudah dan informasi hasil tes dengan cepat dan transparan?</a:t>
+            </a:r>
+          </a:p>
+          <a:p>
+            <a:pPr lvl="0"/>
             <a:r>
               <a:rPr lang="id-ID" dirty="0"/>
-              <a:t>yang dapat membantu manager divisi magang untuk mengolah data siswa magang lebih mudah dan cepat, serta memberikan kemudahan pada pendaftar magang untuk mencari informasi magang terbaru, kemudahan tes seleksi, serta dapat menerima rangkaian informasi penerimaan lebih cepat.</a:t>
-            </a:r>
-            <a:endParaRPr lang="en-US" dirty="0"/>
+              <a:t>Bagaimana cara mengolah data informasi dan hasil tes pendaftar magang untuk menentukan data penerimaan magang?</a:t>
+            </a:r>
+          </a:p>
+          <a:p>
+            <a:pPr lvl="0"/>
+            <a:r>
+              <a:rPr lang="id-ID" dirty="0"/>
+              <a:t>Bagaimana cara memberikan informasi status penerimaan magang pada pendaftar untuk mendapat informasi lebih cepat dan akurat?</a:t>
+            </a:r>
           </a:p>
         </p:txBody>
       </p:sp>
     </p:spTree>
     <p:extLst>
       <p:ext uri="{BB962C8B-B14F-4D97-AF65-F5344CB8AC3E}">
-        <p14:creationId xmlns:p14="http://schemas.microsoft.com/office/powerpoint/2010/main" val="2147691"/>
+        <p14:creationId xmlns:p14="http://schemas.microsoft.com/office/powerpoint/2010/main" val="3945735432"/>
       </p:ext>
     </p:extLst>
   </p:cSld>
   <p:clrMapOvr>
     <a:masterClrMapping/>
   </p:clrMapOvr>
-  <p:timing>
-    <p:tnLst>
-      <p:par>
-        <p:cTn id="1" dur="indefinite" restart="never" nodeType="tmRoot"/>
-      </p:par>
-    </p:tnLst>
-  </p:timing>
 </p:sld>
 </file>
 
@@ -5389,15 +5614,15 @@
           <a:lstStyle/>
           <a:p>
             <a:r>
-              <a:rPr lang="en-US" b="1" dirty="0" err="1" smtClean="0"/>
-              <a:t>Rumusan</a:t>
-            </a:r>
-            <a:r>
-              <a:rPr lang="en-US" b="1" dirty="0" smtClean="0"/>
+              <a:rPr lang="en-US" b="1" dirty="0" err="1"/>
+              <a:t>Batasan</a:t>
+            </a:r>
+            <a:r>
+              <a:rPr lang="en-US" b="1" dirty="0"/>
               <a:t> </a:t>
             </a:r>
             <a:r>
-              <a:rPr lang="en-US" b="1" dirty="0" err="1" smtClean="0"/>
+              <a:rPr lang="en-US" b="1" dirty="0" err="1"/>
               <a:t>Masalah</a:t>
             </a:r>
             <a:endParaRPr lang="en-US" b="1" dirty="0"/>
@@ -5419,27 +5644,73 @@
           <a:bodyPr/>
           <a:lstStyle/>
           <a:p>
-            <a:endParaRPr lang="en-US"/>
+            <a:pPr lvl="0"/>
+            <a:r>
+              <a:rPr lang="id-ID" dirty="0"/>
+              <a:t>Data sistem informasi diambil dari data penerimaan siswa magang di software house DOT.</a:t>
+            </a:r>
+          </a:p>
+          <a:p>
+            <a:pPr lvl="0"/>
+            <a:r>
+              <a:rPr lang="id-ID" dirty="0"/>
+              <a:t>Sistem informasi memuat informasi, sistem pendaftaran dan seleksi hingga informasi hasil tes magang.</a:t>
+            </a:r>
+          </a:p>
+          <a:p>
+            <a:pPr lvl="0"/>
+            <a:r>
+              <a:rPr lang="id-ID" dirty="0"/>
+              <a:t>Sistem ini menggunakan</a:t>
+            </a:r>
+            <a:r>
+              <a:rPr lang="id-ID" i="1" dirty="0"/>
+              <a:t> workflow configuration </a:t>
+            </a:r>
+            <a:r>
+              <a:rPr lang="id-ID" dirty="0"/>
+              <a:t> untuk menampilkan status calon siswa magang di tiap proses penerimaan</a:t>
+            </a:r>
+            <a:r>
+              <a:rPr lang="id-ID" i="1" dirty="0"/>
+              <a:t>.</a:t>
+            </a:r>
+            <a:endParaRPr lang="id-ID" dirty="0"/>
+          </a:p>
+          <a:p>
+            <a:pPr lvl="0"/>
+            <a:r>
+              <a:rPr lang="id-ID" dirty="0"/>
+              <a:t>Sistem informasi ini dibangun menggunakan bahasa pemrograman PHP dan database MySQL.</a:t>
+            </a:r>
+          </a:p>
+          <a:p>
+            <a:pPr lvl="0"/>
+            <a:r>
+              <a:rPr lang="id-ID" dirty="0"/>
+              <a:t>Menggunakan metode </a:t>
+            </a:r>
+            <a:r>
+              <a:rPr lang="id-ID" i="1" dirty="0"/>
+              <a:t>agile</a:t>
+            </a:r>
+            <a:r>
+              <a:rPr lang="id-ID" dirty="0"/>
+              <a:t> dalam pengembangan sistem.</a:t>
+            </a:r>
           </a:p>
         </p:txBody>
       </p:sp>
     </p:spTree>
     <p:extLst>
       <p:ext uri="{BB962C8B-B14F-4D97-AF65-F5344CB8AC3E}">
-        <p14:creationId xmlns:p14="http://schemas.microsoft.com/office/powerpoint/2010/main" val="3945735432"/>
+        <p14:creationId xmlns:p14="http://schemas.microsoft.com/office/powerpoint/2010/main" val="328946395"/>
       </p:ext>
     </p:extLst>
   </p:cSld>
   <p:clrMapOvr>
     <a:masterClrMapping/>
   </p:clrMapOvr>
-  <p:timing>
-    <p:tnLst>
-      <p:par>
-        <p:cTn id="1" dur="indefinite" restart="never" nodeType="tmRoot"/>
-      </p:par>
-    </p:tnLst>
-  </p:timing>
 </p:sld>
 </file>
 
@@ -5472,22 +5743,17 @@
         </p:nvSpPr>
         <p:spPr/>
         <p:txBody>
-          <a:bodyPr/>
-          <a:lstStyle/>
-          <a:p>
-            <a:r>
-              <a:rPr lang="en-US" b="1" dirty="0" err="1" smtClean="0"/>
-              <a:t>Batasan</a:t>
-            </a:r>
-            <a:r>
-              <a:rPr lang="en-US" b="1" dirty="0" smtClean="0"/>
-              <a:t> </a:t>
-            </a:r>
-            <a:r>
-              <a:rPr lang="en-US" b="1" dirty="0" err="1" smtClean="0"/>
-              <a:t>Masalah</a:t>
-            </a:r>
-            <a:endParaRPr lang="en-US" b="1" dirty="0"/>
+          <a:bodyPr>
+            <a:normAutofit/>
+          </a:bodyPr>
+          <a:lstStyle/>
+          <a:p>
+            <a:pPr lvl="0"/>
+            <a:r>
+              <a:rPr lang="id-ID" b="1" dirty="0"/>
+              <a:t>Tujuan</a:t>
+            </a:r>
+            <a:endParaRPr lang="en-US" dirty="0"/>
           </a:p>
         </p:txBody>
       </p:sp>
@@ -5506,27 +5772,41 @@
           <a:bodyPr/>
           <a:lstStyle/>
           <a:p>
-            <a:endParaRPr lang="en-US"/>
+            <a:pPr lvl="0"/>
+            <a:r>
+              <a:rPr lang="id-ID" dirty="0"/>
+              <a:t>Merancang sistem informasi yang dapat memberikan informasi dan rangkaian pendaftaran serta seleksi yang efektif dan efisien.</a:t>
+            </a:r>
+          </a:p>
+          <a:p>
+            <a:pPr lvl="0"/>
+            <a:r>
+              <a:rPr lang="id-ID" dirty="0"/>
+              <a:t>Admin dapat mengelola data hasil tes pendaftaran magang dengan mudah.</a:t>
+            </a:r>
+          </a:p>
+          <a:p>
+            <a:pPr lvl="0"/>
+            <a:r>
+              <a:rPr lang="id-ID" dirty="0"/>
+              <a:t>Memberikan informasi hasil tes magang pada pendaftar magang dengan cepat dan transparan.</a:t>
+            </a:r>
+          </a:p>
+          <a:p>
+            <a:endParaRPr lang="en-US" dirty="0"/>
           </a:p>
         </p:txBody>
       </p:sp>
     </p:spTree>
     <p:extLst>
       <p:ext uri="{BB962C8B-B14F-4D97-AF65-F5344CB8AC3E}">
-        <p14:creationId xmlns:p14="http://schemas.microsoft.com/office/powerpoint/2010/main" val="328946395"/>
+        <p14:creationId xmlns:p14="http://schemas.microsoft.com/office/powerpoint/2010/main" val="1878182637"/>
       </p:ext>
     </p:extLst>
   </p:cSld>
   <p:clrMapOvr>
     <a:masterClrMapping/>
   </p:clrMapOvr>
-  <p:timing>
-    <p:tnLst>
-      <p:par>
-        <p:cTn id="1" dur="indefinite" restart="never" nodeType="tmRoot"/>
-      </p:par>
-    </p:tnLst>
-  </p:timing>
 </p:sld>
 </file>
 
@@ -5549,66 +5829,64 @@
       </p:grpSpPr>
       <p:sp>
         <p:nvSpPr>
-          <p:cNvPr id="2" name="Title 1"/>
-          <p:cNvSpPr>
-            <a:spLocks noGrp="1"/>
-          </p:cNvSpPr>
-          <p:nvPr>
-            <p:ph type="title"/>
-          </p:nvPr>
-        </p:nvSpPr>
-        <p:spPr/>
-        <p:txBody>
-          <a:bodyPr>
-            <a:normAutofit/>
-          </a:bodyPr>
-          <a:lstStyle/>
-          <a:p>
-            <a:pPr lvl="0"/>
-            <a:r>
-              <a:rPr lang="id-ID" b="1" dirty="0" smtClean="0"/>
-              <a:t>Tujuan</a:t>
+          <p:cNvPr id="3" name="Content Placeholder 2"/>
+          <p:cNvSpPr>
+            <a:spLocks noGrp="1"/>
+          </p:cNvSpPr>
+          <p:nvPr>
+            <p:ph sz="quarter" idx="1"/>
+          </p:nvPr>
+        </p:nvSpPr>
+        <p:spPr>
+          <a:xfrm>
+            <a:off x="457200" y="1066800"/>
+            <a:ext cx="8229600" cy="5059363"/>
+          </a:xfrm>
+        </p:spPr>
+        <p:txBody>
+          <a:bodyPr/>
+          <a:lstStyle/>
+          <a:p>
+            <a:r>
+              <a:rPr lang="id-ID" b="1" dirty="0"/>
+              <a:t>Metode Pengumpulan Data</a:t>
             </a:r>
             <a:endParaRPr lang="en-US" dirty="0"/>
           </a:p>
-        </p:txBody>
-      </p:sp>
-      <p:sp>
-        <p:nvSpPr>
-          <p:cNvPr id="3" name="Content Placeholder 2"/>
-          <p:cNvSpPr>
-            <a:spLocks noGrp="1"/>
-          </p:cNvSpPr>
-          <p:nvPr>
-            <p:ph sz="quarter" idx="1"/>
-          </p:nvPr>
-        </p:nvSpPr>
-        <p:spPr/>
-        <p:txBody>
-          <a:bodyPr/>
-          <a:lstStyle/>
-          <a:p>
-            <a:endParaRPr lang="en-US"/>
+          <a:p>
+            <a:pPr marL="1139825" indent="-514350">
+              <a:buFont typeface="+mj-lt"/>
+              <a:buAutoNum type="arabicPeriod"/>
+            </a:pPr>
+            <a:r>
+              <a:rPr lang="en-US" dirty="0" err="1"/>
+              <a:t>Observasi</a:t>
+            </a:r>
+            <a:endParaRPr lang="en-US" dirty="0"/>
+          </a:p>
+          <a:p>
+            <a:pPr marL="1139825" indent="-514350">
+              <a:buFont typeface="+mj-lt"/>
+              <a:buAutoNum type="arabicPeriod"/>
+            </a:pPr>
+            <a:r>
+              <a:rPr lang="en-US" dirty="0" err="1"/>
+              <a:t>Wawancara</a:t>
+            </a:r>
+            <a:endParaRPr lang="en-US" dirty="0"/>
           </a:p>
         </p:txBody>
       </p:sp>
     </p:spTree>
     <p:extLst>
       <p:ext uri="{BB962C8B-B14F-4D97-AF65-F5344CB8AC3E}">
-        <p14:creationId xmlns:p14="http://schemas.microsoft.com/office/powerpoint/2010/main" val="1878182637"/>
+        <p14:creationId xmlns:p14="http://schemas.microsoft.com/office/powerpoint/2010/main" val="797887944"/>
       </p:ext>
     </p:extLst>
   </p:cSld>
   <p:clrMapOvr>
     <a:masterClrMapping/>
   </p:clrMapOvr>
-  <p:timing>
-    <p:tnLst>
-      <p:par>
-        <p:cTn id="1" dur="indefinite" restart="never" nodeType="tmRoot"/>
-      </p:par>
-    </p:tnLst>
-  </p:timing>
 </p:sld>
 </file>
 
@@ -5679,13 +5957,9 @@
           <a:p>
             <a:r>
               <a:rPr lang="id-ID" b="1" dirty="0"/>
-              <a:t>Metode Pengembangan </a:t>
-            </a:r>
-            <a:r>
-              <a:rPr lang="id-ID" b="1" dirty="0" smtClean="0"/>
-              <a:t>Sistem</a:t>
-            </a:r>
-            <a:endParaRPr lang="en-US" b="1" dirty="0" smtClean="0"/>
+              <a:t>Metode Pengembangan Sistem</a:t>
+            </a:r>
+            <a:endParaRPr lang="en-US" b="1" dirty="0"/>
           </a:p>
           <a:p>
             <a:pPr marL="0" indent="0">
@@ -5696,9 +5970,10 @@
               <a:t>	</a:t>
             </a:r>
             <a:r>
-              <a:rPr lang="en-US" b="1" dirty="0" smtClean="0"/>
-              <a:t>SCRUM</a:t>
-            </a:r>
+              <a:rPr lang="id-ID" b="1" dirty="0"/>
+              <a:t>AGILE (SCRUM)</a:t>
+            </a:r>
+            <a:endParaRPr lang="en-US" b="1" dirty="0"/>
           </a:p>
           <a:p>
             <a:pPr marL="0" indent="0">
@@ -5710,7 +5985,13 @@
       </p:sp>
       <p:pic>
         <p:nvPicPr>
-          <p:cNvPr id="1026" name="Picture 2" descr="D:\Kuliah\TA\WhatsApp Image 2018-12-04 at 1.40.59 PM.jpeg"/>
+          <p:cNvPr id="6" name="Picture 2" descr="D:\Kuliah\TA\WhatsApp Image 2018-12-04 at 1.40.59 PM.jpeg">
+            <a:extLst>
+              <a:ext uri="{FF2B5EF4-FFF2-40B4-BE49-F238E27FC236}">
+                <a16:creationId xmlns:a16="http://schemas.microsoft.com/office/drawing/2014/main" id="{69D9EF16-E27F-42CB-BD7E-879FBA89D03A}"/>
+              </a:ext>
+            </a:extLst>
+          </p:cNvPr>
           <p:cNvPicPr>
             <a:picLocks noChangeAspect="1" noChangeArrowheads="1"/>
           </p:cNvPicPr>
@@ -5731,7 +6012,7 @@
         </p:blipFill>
         <p:spPr bwMode="auto">
           <a:xfrm>
-            <a:off x="199781" y="2895600"/>
+            <a:off x="457200" y="2704537"/>
             <a:ext cx="8681111" cy="3429000"/>
           </a:xfrm>
           <a:prstGeom prst="rect">
@@ -5759,13 +6040,6 @@
   <p:clrMapOvr>
     <a:masterClrMapping/>
   </p:clrMapOvr>
-  <p:timing>
-    <p:tnLst>
-      <p:par>
-        <p:cTn id="1" dur="indefinite" restart="never" nodeType="tmRoot"/>
-      </p:par>
-    </p:tnLst>
-  </p:timing>
 </p:sld>
 </file>
 

--- a/Presentasi Tugas Akhir.pptx
+++ b/Presentasi Tugas Akhir.pptx
@@ -121,7 +121,7 @@
   </p:defaultTextStyle>
   <p:extLst>
     <p:ext uri="{EFAFB233-063F-42B5-8137-9DF3F51BA10A}">
-      <p15:sldGuideLst xmlns:p15="http://schemas.microsoft.com/office/powerpoint/2012/main">
+      <p15:sldGuideLst xmlns:p15="http://schemas.microsoft.com/office/powerpoint/2012/main" xmlns="">
         <p15:guide id="1" orient="horz" pos="2160">
           <p15:clr>
             <a:srgbClr val="A4A3A4"/>
@@ -4093,7 +4093,7 @@
           <p:cNvPr id="5" name="Picture 2" descr="D:\Kuliah\TA\WhatsApp Image 2018-12-04 at 9.38.39 AM.jpeg">
             <a:extLst>
               <a:ext uri="{FF2B5EF4-FFF2-40B4-BE49-F238E27FC236}">
-                <a16:creationId xmlns:a16="http://schemas.microsoft.com/office/drawing/2014/main" id="{32618A62-C4E7-4C16-909D-F81B0C940B98}"/>
+                <a16:creationId xmlns:a16="http://schemas.microsoft.com/office/drawing/2014/main" xmlns="" id="{32618A62-C4E7-4C16-909D-F81B0C940B98}"/>
               </a:ext>
             </a:extLst>
           </p:cNvPr>
@@ -4414,7 +4414,7 @@
           <p:cNvPr id="2" name="Table 1">
             <a:extLst>
               <a:ext uri="{FF2B5EF4-FFF2-40B4-BE49-F238E27FC236}">
-                <a16:creationId xmlns:a16="http://schemas.microsoft.com/office/drawing/2014/main" id="{D1D42DB7-6D1E-4F36-92B0-AED894FAF852}"/>
+                <a16:creationId xmlns:a16="http://schemas.microsoft.com/office/drawing/2014/main" xmlns="" id="{D1D42DB7-6D1E-4F36-92B0-AED894FAF852}"/>
               </a:ext>
             </a:extLst>
           </p:cNvPr>
@@ -4443,14 +4443,14 @@
                 <a:gridCol w="2458392">
                   <a:extLst>
                     <a:ext uri="{9D8B030D-6E8A-4147-A177-3AD203B41FA5}">
-                      <a16:colId xmlns:a16="http://schemas.microsoft.com/office/drawing/2014/main" val="1064904379"/>
+                      <a16:colId xmlns:a16="http://schemas.microsoft.com/office/drawing/2014/main" xmlns="" val="1064904379"/>
                     </a:ext>
                   </a:extLst>
                 </a:gridCol>
                 <a:gridCol w="2458392">
                   <a:extLst>
                     <a:ext uri="{9D8B030D-6E8A-4147-A177-3AD203B41FA5}">
-                      <a16:colId xmlns:a16="http://schemas.microsoft.com/office/drawing/2014/main" val="4061190389"/>
+                      <a16:colId xmlns:a16="http://schemas.microsoft.com/office/drawing/2014/main" xmlns="" val="4061190389"/>
                     </a:ext>
                   </a:extLst>
                 </a:gridCol>
@@ -4484,7 +4484,7 @@
                 </a:tc>
                 <a:extLst>
                   <a:ext uri="{0D108BD9-81ED-4DB2-BD59-A6C34878D82A}">
-                    <a16:rowId xmlns:a16="http://schemas.microsoft.com/office/drawing/2014/main" val="3138775962"/>
+                    <a16:rowId xmlns:a16="http://schemas.microsoft.com/office/drawing/2014/main" xmlns="" val="3138775962"/>
                   </a:ext>
                 </a:extLst>
               </a:tr>
@@ -4517,7 +4517,7 @@
                 </a:tc>
                 <a:extLst>
                   <a:ext uri="{0D108BD9-81ED-4DB2-BD59-A6C34878D82A}">
-                    <a16:rowId xmlns:a16="http://schemas.microsoft.com/office/drawing/2014/main" val="2344956281"/>
+                    <a16:rowId xmlns:a16="http://schemas.microsoft.com/office/drawing/2014/main" xmlns="" val="2344956281"/>
                   </a:ext>
                 </a:extLst>
               </a:tr>
@@ -4550,7 +4550,7 @@
                 </a:tc>
                 <a:extLst>
                   <a:ext uri="{0D108BD9-81ED-4DB2-BD59-A6C34878D82A}">
-                    <a16:rowId xmlns:a16="http://schemas.microsoft.com/office/drawing/2014/main" val="2994002690"/>
+                    <a16:rowId xmlns:a16="http://schemas.microsoft.com/office/drawing/2014/main" xmlns="" val="2994002690"/>
                   </a:ext>
                 </a:extLst>
               </a:tr>
@@ -4583,7 +4583,7 @@
                 </a:tc>
                 <a:extLst>
                   <a:ext uri="{0D108BD9-81ED-4DB2-BD59-A6C34878D82A}">
-                    <a16:rowId xmlns:a16="http://schemas.microsoft.com/office/drawing/2014/main" val="2454681494"/>
+                    <a16:rowId xmlns:a16="http://schemas.microsoft.com/office/drawing/2014/main" xmlns="" val="2454681494"/>
                   </a:ext>
                 </a:extLst>
               </a:tr>
@@ -4633,7 +4633,7 @@
                 </a:tc>
                 <a:extLst>
                   <a:ext uri="{0D108BD9-81ED-4DB2-BD59-A6C34878D82A}">
-                    <a16:rowId xmlns:a16="http://schemas.microsoft.com/office/drawing/2014/main" val="3187053659"/>
+                    <a16:rowId xmlns:a16="http://schemas.microsoft.com/office/drawing/2014/main" xmlns="" val="3187053659"/>
                   </a:ext>
                 </a:extLst>
               </a:tr>
@@ -4683,7 +4683,7 @@
                 </a:tc>
                 <a:extLst>
                   <a:ext uri="{0D108BD9-81ED-4DB2-BD59-A6C34878D82A}">
-                    <a16:rowId xmlns:a16="http://schemas.microsoft.com/office/drawing/2014/main" val="4096451424"/>
+                    <a16:rowId xmlns:a16="http://schemas.microsoft.com/office/drawing/2014/main" xmlns="" val="4096451424"/>
                   </a:ext>
                 </a:extLst>
               </a:tr>
@@ -4733,7 +4733,7 @@
                 </a:tc>
                 <a:extLst>
                   <a:ext uri="{0D108BD9-81ED-4DB2-BD59-A6C34878D82A}">
-                    <a16:rowId xmlns:a16="http://schemas.microsoft.com/office/drawing/2014/main" val="2303791855"/>
+                    <a16:rowId xmlns:a16="http://schemas.microsoft.com/office/drawing/2014/main" xmlns="" val="2303791855"/>
                   </a:ext>
                 </a:extLst>
               </a:tr>
@@ -5154,7 +5154,7 @@
           <p:cNvPr id="2" name="Title 1">
             <a:extLst>
               <a:ext uri="{FF2B5EF4-FFF2-40B4-BE49-F238E27FC236}">
-                <a16:creationId xmlns:a16="http://schemas.microsoft.com/office/drawing/2014/main" id="{1BEE4319-F908-46FF-8E5B-D64430276FDC}"/>
+                <a16:creationId xmlns:a16="http://schemas.microsoft.com/office/drawing/2014/main" xmlns="" id="{1BEE4319-F908-46FF-8E5B-D64430276FDC}"/>
               </a:ext>
             </a:extLst>
           </p:cNvPr>
@@ -5563,8 +5563,17 @@
             <a:pPr lvl="0"/>
             <a:r>
               <a:rPr lang="id-ID" dirty="0"/>
-              <a:t>Bagaimana cara memberikan informasi status penerimaan magang pada pendaftar untuk mendapat informasi lebih cepat dan akurat?</a:t>
-            </a:r>
+              <a:t>Bagaimana cara memberikan informasi status penerimaan magang pada pendaftar untuk mendapat informasi lebih cepat dan </a:t>
+            </a:r>
+            <a:r>
+              <a:rPr lang="en-US" dirty="0" err="1" smtClean="0"/>
+              <a:t>transparan</a:t>
+            </a:r>
+            <a:r>
+              <a:rPr lang="id-ID" dirty="0" smtClean="0"/>
+              <a:t>?</a:t>
+            </a:r>
+            <a:endParaRPr lang="id-ID" dirty="0"/>
           </a:p>
         </p:txBody>
       </p:sp>
@@ -5647,14 +5656,55 @@
             <a:pPr lvl="0"/>
             <a:r>
               <a:rPr lang="id-ID" dirty="0"/>
-              <a:t>Data sistem informasi diambil dari data penerimaan siswa magang di software house DOT.</a:t>
-            </a:r>
+              <a:t>Data sistem informasi diambil dari data penerimaan siswa magang di software house </a:t>
+            </a:r>
+            <a:r>
+              <a:rPr lang="id-ID" dirty="0" smtClean="0"/>
+              <a:t>DOT</a:t>
+            </a:r>
+            <a:r>
+              <a:rPr lang="en-US" dirty="0" smtClean="0"/>
+              <a:t> Indonesia</a:t>
+            </a:r>
+            <a:r>
+              <a:rPr lang="id-ID" dirty="0" smtClean="0"/>
+              <a:t>.</a:t>
+            </a:r>
+            <a:endParaRPr lang="id-ID" dirty="0"/>
           </a:p>
           <a:p>
             <a:pPr lvl="0"/>
             <a:r>
               <a:rPr lang="id-ID" dirty="0"/>
-              <a:t>Sistem informasi memuat informasi, sistem pendaftaran dan seleksi hingga informasi hasil tes magang.</a:t>
+              <a:t>Sistem informasi memuat informasi, sistem </a:t>
+            </a:r>
+            <a:r>
+              <a:rPr lang="id-ID" dirty="0" smtClean="0"/>
+              <a:t>pendaftaran</a:t>
+            </a:r>
+            <a:r>
+              <a:rPr lang="en-US" dirty="0" smtClean="0"/>
+              <a:t>, </a:t>
+            </a:r>
+            <a:r>
+              <a:rPr lang="id-ID" dirty="0" smtClean="0"/>
+              <a:t>seleksi </a:t>
+            </a:r>
+            <a:r>
+              <a:rPr lang="en-US" dirty="0" err="1" smtClean="0"/>
+              <a:t>dan</a:t>
+            </a:r>
+            <a:r>
+              <a:rPr lang="en-US" dirty="0" smtClean="0"/>
+              <a:t> </a:t>
+            </a:r>
+            <a:r>
+              <a:rPr lang="id-ID" dirty="0" smtClean="0"/>
+              <a:t>informasi </a:t>
+            </a:r>
+            <a:r>
+              <a:rPr lang="id-ID" dirty="0"/>
+              <a:t>hasil tes magang.</a:t>
             </a:r>
           </a:p>
           <a:p>
@@ -5781,8 +5831,32 @@
           <a:p>
             <a:pPr lvl="0"/>
             <a:r>
+              <a:rPr lang="en-US" dirty="0" err="1" smtClean="0"/>
+              <a:t>Manajer</a:t>
+            </a:r>
+            <a:r>
+              <a:rPr lang="en-US" dirty="0" smtClean="0"/>
+              <a:t> </a:t>
+            </a:r>
+            <a:r>
+              <a:rPr lang="en-US" dirty="0" err="1" smtClean="0"/>
+              <a:t>divisi</a:t>
+            </a:r>
+            <a:r>
+              <a:rPr lang="en-US" dirty="0" smtClean="0"/>
+              <a:t> </a:t>
+            </a:r>
+            <a:r>
+              <a:rPr lang="en-US" smtClean="0"/>
+              <a:t>Magang</a:t>
+            </a:r>
+            <a:r>
+              <a:rPr lang="id-ID" smtClean="0"/>
+              <a:t> </a:t>
+            </a:r>
+            <a:r>
               <a:rPr lang="id-ID" dirty="0"/>
-              <a:t>Admin dapat mengelola data hasil tes pendaftaran magang dengan mudah.</a:t>
+              <a:t>dapat mengelola data hasil tes pendaftaran magang dengan mudah.</a:t>
             </a:r>
           </a:p>
           <a:p>
@@ -5988,7 +6062,7 @@
           <p:cNvPr id="6" name="Picture 2" descr="D:\Kuliah\TA\WhatsApp Image 2018-12-04 at 1.40.59 PM.jpeg">
             <a:extLst>
               <a:ext uri="{FF2B5EF4-FFF2-40B4-BE49-F238E27FC236}">
-                <a16:creationId xmlns:a16="http://schemas.microsoft.com/office/drawing/2014/main" id="{69D9EF16-E27F-42CB-BD7E-879FBA89D03A}"/>
+                <a16:creationId xmlns:a16="http://schemas.microsoft.com/office/drawing/2014/main" xmlns="" id="{69D9EF16-E27F-42CB-BD7E-879FBA89D03A}"/>
               </a:ext>
             </a:extLst>
           </p:cNvPr>

--- a/Presentasi Tugas Akhir.pptx
+++ b/Presentasi Tugas Akhir.pptx
@@ -4145,6 +4145,13 @@
   <p:clrMapOvr>
     <a:masterClrMapping/>
   </p:clrMapOvr>
+  <p:timing>
+    <p:tnLst>
+      <p:par>
+        <p:cTn id="1" dur="indefinite" restart="never" nodeType="tmRoot"/>
+      </p:par>
+    </p:tnLst>
+  </p:timing>
 </p:sld>
 </file>
 
@@ -4220,7 +4227,7 @@
       </p:sp>
       <p:pic>
         <p:nvPicPr>
-          <p:cNvPr id="2050" name="Picture 2" descr="D:\Kuliah\TA\baru\flowchart.JPG"/>
+          <p:cNvPr id="1026" name="Picture 2" descr="D:\Kuliah\Tugas Akhir\Images\flowchart.JPG"/>
           <p:cNvPicPr>
             <a:picLocks noChangeAspect="1" noChangeArrowheads="1"/>
           </p:cNvPicPr>
@@ -4241,8 +4248,8 @@
         </p:blipFill>
         <p:spPr bwMode="auto">
           <a:xfrm>
-            <a:off x="3581400" y="1248696"/>
-            <a:ext cx="3078446" cy="5380703"/>
+            <a:off x="4419600" y="685800"/>
+            <a:ext cx="3200400" cy="5930153"/>
           </a:xfrm>
           <a:prstGeom prst="rect">
             <a:avLst/>
@@ -4269,6 +4276,13 @@
   <p:clrMapOvr>
     <a:masterClrMapping/>
   </p:clrMapOvr>
+  <p:timing>
+    <p:tnLst>
+      <p:par>
+        <p:cTn id="1" dur="indefinite" restart="never" nodeType="tmRoot"/>
+      </p:par>
+    </p:tnLst>
+  </p:timing>
 </p:sld>
 </file>
 
@@ -4751,6 +4765,13 @@
   <p:clrMapOvr>
     <a:masterClrMapping/>
   </p:clrMapOvr>
+  <p:timing>
+    <p:tnLst>
+      <p:par>
+        <p:cTn id="1" dur="indefinite" restart="never" nodeType="tmRoot"/>
+      </p:par>
+    </p:tnLst>
+  </p:timing>
 </p:sld>
 </file>
 
@@ -4857,6 +4878,13 @@
   <p:clrMapOvr>
     <a:masterClrMapping/>
   </p:clrMapOvr>
+  <p:timing>
+    <p:tnLst>
+      <p:par>
+        <p:cTn id="1" dur="indefinite" restart="never" nodeType="tmRoot"/>
+      </p:par>
+    </p:tnLst>
+  </p:timing>
 </p:sld>
 </file>
 
@@ -5847,11 +5875,11 @@
               <a:t> </a:t>
             </a:r>
             <a:r>
-              <a:rPr lang="en-US" smtClean="0"/>
+              <a:rPr lang="en-US" dirty="0" err="1" smtClean="0"/>
               <a:t>Magang</a:t>
             </a:r>
             <a:r>
-              <a:rPr lang="id-ID" smtClean="0"/>
+              <a:rPr lang="id-ID" dirty="0" smtClean="0"/>
               <a:t> </a:t>
             </a:r>
             <a:r>
@@ -5961,6 +5989,13 @@
   <p:clrMapOvr>
     <a:masterClrMapping/>
   </p:clrMapOvr>
+  <p:timing>
+    <p:tnLst>
+      <p:par>
+        <p:cTn id="1" dur="indefinite" restart="never" nodeType="tmRoot"/>
+      </p:par>
+    </p:tnLst>
+  </p:timing>
 </p:sld>
 </file>
 
@@ -6114,6 +6149,13 @@
   <p:clrMapOvr>
     <a:masterClrMapping/>
   </p:clrMapOvr>
+  <p:timing>
+    <p:tnLst>
+      <p:par>
+        <p:cTn id="1" dur="indefinite" restart="never" nodeType="tmRoot"/>
+      </p:par>
+    </p:tnLst>
+  </p:timing>
 </p:sld>
 </file>
 

--- a/Presentasi Tugas Akhir.pptx
+++ b/Presentasi Tugas Akhir.pptx
@@ -13,12 +13,12 @@
     <p:sldId id="260" r:id="rId7"/>
     <p:sldId id="263" r:id="rId8"/>
     <p:sldId id="265" r:id="rId9"/>
-    <p:sldId id="264" r:id="rId10"/>
-    <p:sldId id="269" r:id="rId11"/>
-    <p:sldId id="266" r:id="rId12"/>
-    <p:sldId id="267" r:id="rId13"/>
-    <p:sldId id="268" r:id="rId14"/>
-    <p:sldId id="270" r:id="rId15"/>
+    <p:sldId id="270" r:id="rId10"/>
+    <p:sldId id="264" r:id="rId11"/>
+    <p:sldId id="269" r:id="rId12"/>
+    <p:sldId id="266" r:id="rId13"/>
+    <p:sldId id="267" r:id="rId14"/>
+    <p:sldId id="268" r:id="rId15"/>
     <p:sldId id="272" r:id="rId16"/>
     <p:sldId id="273" r:id="rId17"/>
   </p:sldIdLst>
@@ -4062,6 +4062,34 @@
       </p:grpSpPr>
       <p:sp>
         <p:nvSpPr>
+          <p:cNvPr id="2" name="Title 1"/>
+          <p:cNvSpPr>
+            <a:spLocks noGrp="1"/>
+          </p:cNvSpPr>
+          <p:nvPr>
+            <p:ph type="title"/>
+          </p:nvPr>
+        </p:nvSpPr>
+        <p:spPr>
+          <a:xfrm>
+            <a:off x="457200" y="274638"/>
+            <a:ext cx="8229600" cy="868362"/>
+          </a:xfrm>
+        </p:spPr>
+        <p:txBody>
+          <a:bodyPr/>
+          <a:lstStyle/>
+          <a:p>
+            <a:r>
+              <a:rPr lang="id-ID" b="1" dirty="0"/>
+              <a:t>Metodologi Penelitian</a:t>
+            </a:r>
+            <a:endParaRPr lang="en-US" dirty="0"/>
+          </a:p>
+        </p:txBody>
+      </p:sp>
+      <p:sp>
+        <p:nvSpPr>
           <p:cNvPr id="3" name="Content Placeholder 2"/>
           <p:cNvSpPr>
             <a:spLocks noGrp="1"/>
@@ -4072,8 +4100,8 @@
         </p:nvSpPr>
         <p:spPr>
           <a:xfrm>
-            <a:off x="457200" y="554478"/>
-            <a:ext cx="8229600" cy="5571686"/>
+            <a:off x="457200" y="1295400"/>
+            <a:ext cx="8229600" cy="4830763"/>
           </a:xfrm>
         </p:spPr>
         <p:txBody>
@@ -4082,18 +4110,38 @@
           <a:p>
             <a:r>
               <a:rPr lang="id-ID" b="1" dirty="0"/>
-              <a:t>AGILE</a:t>
-            </a:r>
+              <a:t>Metode Pengembangan Sistem</a:t>
+            </a:r>
+            <a:endParaRPr lang="en-US" b="1" dirty="0"/>
+          </a:p>
+          <a:p>
+            <a:pPr marL="0" indent="0">
+              <a:buNone/>
+            </a:pPr>
+            <a:r>
+              <a:rPr lang="en-US" b="1" dirty="0"/>
+              <a:t>	</a:t>
+            </a:r>
+            <a:r>
+              <a:rPr lang="id-ID" b="1" dirty="0"/>
+              <a:t>AGILE (SCRUM)</a:t>
+            </a:r>
+            <a:endParaRPr lang="en-US" b="1" dirty="0"/>
+          </a:p>
+          <a:p>
+            <a:pPr marL="0" indent="0">
+              <a:buNone/>
+            </a:pPr>
             <a:endParaRPr lang="en-US" dirty="0"/>
           </a:p>
         </p:txBody>
       </p:sp>
       <p:pic>
         <p:nvPicPr>
-          <p:cNvPr id="5" name="Picture 2" descr="D:\Kuliah\TA\WhatsApp Image 2018-12-04 at 9.38.39 AM.jpeg">
+          <p:cNvPr id="6" name="Picture 2" descr="D:\Kuliah\TA\WhatsApp Image 2018-12-04 at 1.40.59 PM.jpeg">
             <a:extLst>
               <a:ext uri="{FF2B5EF4-FFF2-40B4-BE49-F238E27FC236}">
-                <a16:creationId xmlns:a16="http://schemas.microsoft.com/office/drawing/2014/main" xmlns="" id="{32618A62-C4E7-4C16-909D-F81B0C940B98}"/>
+                <a16:creationId xmlns:a16="http://schemas.microsoft.com/office/drawing/2014/main" xmlns="" id="{69D9EF16-E27F-42CB-BD7E-879FBA89D03A}"/>
               </a:ext>
             </a:extLst>
           </p:cNvPr>
@@ -4117,8 +4165,8 @@
         </p:blipFill>
         <p:spPr bwMode="auto">
           <a:xfrm>
-            <a:off x="1295400" y="1828800"/>
-            <a:ext cx="6553200" cy="3850006"/>
+            <a:off x="457200" y="2704537"/>
+            <a:ext cx="8681111" cy="3429000"/>
           </a:xfrm>
           <a:prstGeom prst="rect">
             <a:avLst/>
@@ -4138,7 +4186,7 @@
     </p:spTree>
     <p:extLst>
       <p:ext uri="{BB962C8B-B14F-4D97-AF65-F5344CB8AC3E}">
-        <p14:creationId xmlns:p14="http://schemas.microsoft.com/office/powerpoint/2010/main" val="82470136"/>
+        <p14:creationId xmlns:p14="http://schemas.microsoft.com/office/powerpoint/2010/main" val="3357772506"/>
       </p:ext>
     </p:extLst>
   </p:cSld>
@@ -4174,6 +4222,118 @@
       </p:grpSpPr>
       <p:sp>
         <p:nvSpPr>
+          <p:cNvPr id="3" name="Content Placeholder 2"/>
+          <p:cNvSpPr>
+            <a:spLocks noGrp="1"/>
+          </p:cNvSpPr>
+          <p:nvPr>
+            <p:ph sz="quarter" idx="1"/>
+          </p:nvPr>
+        </p:nvSpPr>
+        <p:spPr>
+          <a:xfrm>
+            <a:off x="457200" y="554478"/>
+            <a:ext cx="8229600" cy="5571686"/>
+          </a:xfrm>
+        </p:spPr>
+        <p:txBody>
+          <a:bodyPr/>
+          <a:lstStyle/>
+          <a:p>
+            <a:r>
+              <a:rPr lang="id-ID" b="1" dirty="0"/>
+              <a:t>AGILE</a:t>
+            </a:r>
+            <a:endParaRPr lang="en-US" dirty="0"/>
+          </a:p>
+        </p:txBody>
+      </p:sp>
+      <p:pic>
+        <p:nvPicPr>
+          <p:cNvPr id="5" name="Picture 2" descr="D:\Kuliah\TA\WhatsApp Image 2018-12-04 at 9.38.39 AM.jpeg">
+            <a:extLst>
+              <a:ext uri="{FF2B5EF4-FFF2-40B4-BE49-F238E27FC236}">
+                <a16:creationId xmlns:a16="http://schemas.microsoft.com/office/drawing/2014/main" xmlns="" id="{32618A62-C4E7-4C16-909D-F81B0C940B98}"/>
+              </a:ext>
+            </a:extLst>
+          </p:cNvPr>
+          <p:cNvPicPr>
+            <a:picLocks noChangeAspect="1" noChangeArrowheads="1"/>
+          </p:cNvPicPr>
+          <p:nvPr/>
+        </p:nvPicPr>
+        <p:blipFill>
+          <a:blip r:embed="rId2">
+            <a:extLst>
+              <a:ext uri="{28A0092B-C50C-407E-A947-70E740481C1C}">
+                <a14:useLocalDpi xmlns:a14="http://schemas.microsoft.com/office/drawing/2010/main" val="0"/>
+              </a:ext>
+            </a:extLst>
+          </a:blip>
+          <a:srcRect/>
+          <a:stretch>
+            <a:fillRect/>
+          </a:stretch>
+        </p:blipFill>
+        <p:spPr bwMode="auto">
+          <a:xfrm>
+            <a:off x="1295400" y="1828800"/>
+            <a:ext cx="6553200" cy="3850006"/>
+          </a:xfrm>
+          <a:prstGeom prst="rect">
+            <a:avLst/>
+          </a:prstGeom>
+          <a:noFill/>
+          <a:extLst>
+            <a:ext uri="{909E8E84-426E-40DD-AFC4-6F175D3DCCD1}">
+              <a14:hiddenFill xmlns:a14="http://schemas.microsoft.com/office/drawing/2010/main">
+                <a:solidFill>
+                  <a:srgbClr val="FFFFFF"/>
+                </a:solidFill>
+              </a14:hiddenFill>
+            </a:ext>
+          </a:extLst>
+        </p:spPr>
+      </p:pic>
+    </p:spTree>
+    <p:extLst>
+      <p:ext uri="{BB962C8B-B14F-4D97-AF65-F5344CB8AC3E}">
+        <p14:creationId xmlns:p14="http://schemas.microsoft.com/office/powerpoint/2010/main" val="82470136"/>
+      </p:ext>
+    </p:extLst>
+  </p:cSld>
+  <p:clrMapOvr>
+    <a:masterClrMapping/>
+  </p:clrMapOvr>
+  <p:timing>
+    <p:tnLst>
+      <p:par>
+        <p:cTn id="1" dur="indefinite" restart="never" nodeType="tmRoot"/>
+      </p:par>
+    </p:tnLst>
+  </p:timing>
+</p:sld>
+</file>
+
+<file path=ppt/slides/slide12.xml><?xml version="1.0" encoding="utf-8"?>
+<p:sld xmlns:a="http://schemas.openxmlformats.org/drawingml/2006/main" xmlns:r="http://schemas.openxmlformats.org/officeDocument/2006/relationships" xmlns:p="http://schemas.openxmlformats.org/presentationml/2006/main">
+  <p:cSld>
+    <p:spTree>
+      <p:nvGrpSpPr>
+        <p:cNvPr id="1" name=""/>
+        <p:cNvGrpSpPr/>
+        <p:nvPr/>
+      </p:nvGrpSpPr>
+      <p:grpSpPr>
+        <a:xfrm>
+          <a:off x="0" y="0"/>
+          <a:ext cx="0" cy="0"/>
+          <a:chOff x="0" y="0"/>
+          <a:chExt cx="0" cy="0"/>
+        </a:xfrm>
+      </p:grpSpPr>
+      <p:sp>
+        <p:nvSpPr>
           <p:cNvPr id="2" name="Title 1"/>
           <p:cNvSpPr>
             <a:spLocks noGrp="1"/>
@@ -4286,7 +4446,7 @@
 </p:sld>
 </file>
 
-<file path=ppt/slides/slide12.xml><?xml version="1.0" encoding="utf-8"?>
+<file path=ppt/slides/slide13.xml><?xml version="1.0" encoding="utf-8"?>
 <p:sld xmlns:a="http://schemas.openxmlformats.org/drawingml/2006/main" xmlns:r="http://schemas.openxmlformats.org/officeDocument/2006/relationships" xmlns:p="http://schemas.openxmlformats.org/presentationml/2006/main">
   <p:cSld>
     <p:spTree>
@@ -4775,7 +4935,7 @@
 </p:sld>
 </file>
 
-<file path=ppt/slides/slide13.xml><?xml version="1.0" encoding="utf-8"?>
+<file path=ppt/slides/slide14.xml><?xml version="1.0" encoding="utf-8"?>
 <p:sld xmlns:a="http://schemas.openxmlformats.org/drawingml/2006/main" xmlns:r="http://schemas.openxmlformats.org/officeDocument/2006/relationships" xmlns:p="http://schemas.openxmlformats.org/presentationml/2006/main">
   <p:cSld>
     <p:spTree>
@@ -4885,151 +5045,6 @@
       </p:par>
     </p:tnLst>
   </p:timing>
-</p:sld>
-</file>
-
-<file path=ppt/slides/slide14.xml><?xml version="1.0" encoding="utf-8"?>
-<p:sld xmlns:a="http://schemas.openxmlformats.org/drawingml/2006/main" xmlns:r="http://schemas.openxmlformats.org/officeDocument/2006/relationships" xmlns:p="http://schemas.openxmlformats.org/presentationml/2006/main">
-  <p:cSld>
-    <p:spTree>
-      <p:nvGrpSpPr>
-        <p:cNvPr id="1" name=""/>
-        <p:cNvGrpSpPr/>
-        <p:nvPr/>
-      </p:nvGrpSpPr>
-      <p:grpSpPr>
-        <a:xfrm>
-          <a:off x="0" y="0"/>
-          <a:ext cx="0" cy="0"/>
-          <a:chOff x="0" y="0"/>
-          <a:chExt cx="0" cy="0"/>
-        </a:xfrm>
-      </p:grpSpPr>
-      <p:sp>
-        <p:nvSpPr>
-          <p:cNvPr id="3" name="Content Placeholder 2"/>
-          <p:cNvSpPr>
-            <a:spLocks noGrp="1"/>
-          </p:cNvSpPr>
-          <p:nvPr>
-            <p:ph sz="quarter" idx="1"/>
-          </p:nvPr>
-        </p:nvSpPr>
-        <p:spPr>
-          <a:xfrm>
-            <a:off x="457200" y="609600"/>
-            <a:ext cx="8229600" cy="5516563"/>
-          </a:xfrm>
-        </p:spPr>
-        <p:txBody>
-          <a:bodyPr/>
-          <a:lstStyle/>
-          <a:p>
-            <a:r>
-              <a:rPr lang="en-US" b="1" dirty="0"/>
-              <a:t>Requirement </a:t>
-            </a:r>
-            <a:r>
-              <a:rPr lang="en-US" b="1" dirty="0" err="1"/>
-              <a:t>Sistem</a:t>
-            </a:r>
-            <a:endParaRPr lang="en-US" b="1" dirty="0"/>
-          </a:p>
-          <a:p>
-            <a:pPr marL="514350" indent="-514350">
-              <a:buFont typeface="+mj-lt"/>
-              <a:buAutoNum type="arabicPeriod"/>
-            </a:pPr>
-            <a:r>
-              <a:rPr lang="en-US" dirty="0" err="1"/>
-              <a:t>Metode</a:t>
-            </a:r>
-            <a:r>
-              <a:rPr lang="en-US" dirty="0"/>
-              <a:t> Agile &amp; Scrum</a:t>
-            </a:r>
-          </a:p>
-          <a:p>
-            <a:pPr marL="514350" indent="-514350">
-              <a:buFont typeface="+mj-lt"/>
-              <a:buAutoNum type="arabicPeriod"/>
-            </a:pPr>
-            <a:r>
-              <a:rPr lang="en-US" dirty="0"/>
-              <a:t>Workflow Configuration</a:t>
-            </a:r>
-          </a:p>
-          <a:p>
-            <a:pPr marL="514350" indent="-514350">
-              <a:buFont typeface="+mj-lt"/>
-              <a:buAutoNum type="arabicPeriod"/>
-            </a:pPr>
-            <a:r>
-              <a:rPr lang="en-US" dirty="0"/>
-              <a:t>MySQL</a:t>
-            </a:r>
-          </a:p>
-          <a:p>
-            <a:pPr marL="514350" indent="-514350">
-              <a:buFont typeface="+mj-lt"/>
-              <a:buAutoNum type="arabicPeriod"/>
-            </a:pPr>
-            <a:r>
-              <a:rPr lang="en-US" dirty="0" err="1"/>
-              <a:t>Laravel</a:t>
-            </a:r>
-            <a:endParaRPr lang="en-US" dirty="0"/>
-          </a:p>
-          <a:p>
-            <a:pPr marL="514350" indent="-514350">
-              <a:buFont typeface="+mj-lt"/>
-              <a:buAutoNum type="arabicPeriod"/>
-            </a:pPr>
-            <a:r>
-              <a:rPr lang="en-US" dirty="0"/>
-              <a:t>Vue.js</a:t>
-            </a:r>
-          </a:p>
-          <a:p>
-            <a:pPr marL="514350" indent="-514350">
-              <a:buFont typeface="+mj-lt"/>
-              <a:buAutoNum type="arabicPeriod"/>
-            </a:pPr>
-            <a:endParaRPr lang="en-US" dirty="0"/>
-          </a:p>
-          <a:p>
-            <a:pPr marL="514350" indent="-514350">
-              <a:buFont typeface="+mj-lt"/>
-              <a:buAutoNum type="arabicPeriod"/>
-            </a:pPr>
-            <a:endParaRPr lang="en-US" dirty="0"/>
-          </a:p>
-          <a:p>
-            <a:pPr marL="514350" indent="-514350">
-              <a:buFont typeface="+mj-lt"/>
-              <a:buAutoNum type="arabicPeriod"/>
-            </a:pPr>
-            <a:endParaRPr lang="en-US" dirty="0"/>
-          </a:p>
-          <a:p>
-            <a:pPr marL="514350" indent="-514350">
-              <a:buFont typeface="+mj-lt"/>
-              <a:buAutoNum type="arabicPeriod"/>
-            </a:pPr>
-            <a:endParaRPr lang="en-US" dirty="0"/>
-          </a:p>
-        </p:txBody>
-      </p:sp>
-    </p:spTree>
-    <p:extLst>
-      <p:ext uri="{BB962C8B-B14F-4D97-AF65-F5344CB8AC3E}">
-        <p14:creationId xmlns:p14="http://schemas.microsoft.com/office/powerpoint/2010/main" val="4108501425"/>
-      </p:ext>
-    </p:extLst>
-  </p:cSld>
-  <p:clrMapOvr>
-    <a:masterClrMapping/>
-  </p:clrMapOvr>
 </p:sld>
 </file>
 
@@ -5157,6 +5172,13 @@
   <p:clrMapOvr>
     <a:masterClrMapping/>
   </p:clrMapOvr>
+  <p:timing>
+    <p:tnLst>
+      <p:par>
+        <p:cTn id="1" dur="indefinite" restart="never" nodeType="tmRoot"/>
+      </p:par>
+    </p:tnLst>
+  </p:timing>
 </p:sld>
 </file>
 
@@ -6018,131 +6040,123 @@
       </p:grpSpPr>
       <p:sp>
         <p:nvSpPr>
-          <p:cNvPr id="2" name="Title 1"/>
-          <p:cNvSpPr>
-            <a:spLocks noGrp="1"/>
-          </p:cNvSpPr>
-          <p:nvPr>
-            <p:ph type="title"/>
+          <p:cNvPr id="3" name="Content Placeholder 2"/>
+          <p:cNvSpPr>
+            <a:spLocks noGrp="1"/>
+          </p:cNvSpPr>
+          <p:nvPr>
+            <p:ph sz="quarter" idx="1"/>
           </p:nvPr>
         </p:nvSpPr>
         <p:spPr>
           <a:xfrm>
-            <a:off x="457200" y="274638"/>
-            <a:ext cx="8229600" cy="868362"/>
-          </a:xfrm>
-        </p:spPr>
-        <p:txBody>
-          <a:bodyPr/>
-          <a:lstStyle/>
-          <a:p>
-            <a:r>
-              <a:rPr lang="id-ID" b="1" dirty="0"/>
-              <a:t>Metodologi Penelitian</a:t>
+            <a:off x="457200" y="609600"/>
+            <a:ext cx="8229600" cy="5516563"/>
+          </a:xfrm>
+        </p:spPr>
+        <p:txBody>
+          <a:bodyPr/>
+          <a:lstStyle/>
+          <a:p>
+            <a:r>
+              <a:rPr lang="en-US" b="1" dirty="0"/>
+              <a:t>Requirement </a:t>
+            </a:r>
+            <a:r>
+              <a:rPr lang="en-US" b="1" dirty="0" err="1"/>
+              <a:t>Sistem</a:t>
+            </a:r>
+            <a:endParaRPr lang="en-US" b="1" dirty="0"/>
+          </a:p>
+          <a:p>
+            <a:pPr marL="514350" indent="-514350">
+              <a:buFont typeface="+mj-lt"/>
+              <a:buAutoNum type="arabicPeriod"/>
+            </a:pPr>
+            <a:r>
+              <a:rPr lang="en-US" dirty="0" err="1"/>
+              <a:t>Metode</a:t>
+            </a:r>
+            <a:r>
+              <a:rPr lang="en-US" dirty="0"/>
+              <a:t> Agile &amp; Scrum</a:t>
+            </a:r>
+          </a:p>
+          <a:p>
+            <a:pPr marL="514350" indent="-514350">
+              <a:buFont typeface="+mj-lt"/>
+              <a:buAutoNum type="arabicPeriod"/>
+            </a:pPr>
+            <a:r>
+              <a:rPr lang="en-US" dirty="0"/>
+              <a:t>Workflow Configuration</a:t>
+            </a:r>
+          </a:p>
+          <a:p>
+            <a:pPr marL="514350" indent="-514350">
+              <a:buFont typeface="+mj-lt"/>
+              <a:buAutoNum type="arabicPeriod"/>
+            </a:pPr>
+            <a:r>
+              <a:rPr lang="en-US" dirty="0"/>
+              <a:t>MySQL</a:t>
+            </a:r>
+          </a:p>
+          <a:p>
+            <a:pPr marL="514350" indent="-514350">
+              <a:buFont typeface="+mj-lt"/>
+              <a:buAutoNum type="arabicPeriod"/>
+            </a:pPr>
+            <a:r>
+              <a:rPr lang="en-US" dirty="0" err="1"/>
+              <a:t>Laravel</a:t>
             </a:r>
             <a:endParaRPr lang="en-US" dirty="0"/>
           </a:p>
-        </p:txBody>
-      </p:sp>
-      <p:sp>
-        <p:nvSpPr>
-          <p:cNvPr id="3" name="Content Placeholder 2"/>
-          <p:cNvSpPr>
-            <a:spLocks noGrp="1"/>
-          </p:cNvSpPr>
-          <p:nvPr>
-            <p:ph sz="quarter" idx="1"/>
-          </p:nvPr>
-        </p:nvSpPr>
-        <p:spPr>
-          <a:xfrm>
-            <a:off x="457200" y="1295400"/>
-            <a:ext cx="8229600" cy="4830763"/>
-          </a:xfrm>
-        </p:spPr>
-        <p:txBody>
-          <a:bodyPr/>
-          <a:lstStyle/>
-          <a:p>
-            <a:r>
-              <a:rPr lang="id-ID" b="1" dirty="0"/>
-              <a:t>Metode Pengembangan Sistem</a:t>
-            </a:r>
-            <a:endParaRPr lang="en-US" b="1" dirty="0"/>
-          </a:p>
-          <a:p>
-            <a:pPr marL="0" indent="0">
-              <a:buNone/>
+          <a:p>
+            <a:pPr marL="514350" indent="-514350">
+              <a:buFont typeface="+mj-lt"/>
+              <a:buAutoNum type="arabicPeriod"/>
             </a:pPr>
             <a:r>
-              <a:rPr lang="en-US" b="1" dirty="0"/>
-              <a:t>	</a:t>
-            </a:r>
-            <a:r>
-              <a:rPr lang="id-ID" b="1" dirty="0"/>
-              <a:t>AGILE (SCRUM)</a:t>
-            </a:r>
-            <a:endParaRPr lang="en-US" b="1" dirty="0"/>
-          </a:p>
-          <a:p>
-            <a:pPr marL="0" indent="0">
-              <a:buNone/>
+              <a:rPr lang="en-US" dirty="0"/>
+              <a:t>Vue.js</a:t>
+            </a:r>
+          </a:p>
+          <a:p>
+            <a:pPr marL="514350" indent="-514350">
+              <a:buFont typeface="+mj-lt"/>
+              <a:buAutoNum type="arabicPeriod"/>
             </a:pPr>
             <a:endParaRPr lang="en-US" dirty="0"/>
           </a:p>
-        </p:txBody>
-      </p:sp>
-      <p:pic>
-        <p:nvPicPr>
-          <p:cNvPr id="6" name="Picture 2" descr="D:\Kuliah\TA\WhatsApp Image 2018-12-04 at 1.40.59 PM.jpeg">
-            <a:extLst>
-              <a:ext uri="{FF2B5EF4-FFF2-40B4-BE49-F238E27FC236}">
-                <a16:creationId xmlns:a16="http://schemas.microsoft.com/office/drawing/2014/main" xmlns="" id="{69D9EF16-E27F-42CB-BD7E-879FBA89D03A}"/>
-              </a:ext>
-            </a:extLst>
-          </p:cNvPr>
-          <p:cNvPicPr>
-            <a:picLocks noChangeAspect="1" noChangeArrowheads="1"/>
-          </p:cNvPicPr>
-          <p:nvPr/>
-        </p:nvPicPr>
-        <p:blipFill>
-          <a:blip r:embed="rId2">
-            <a:extLst>
-              <a:ext uri="{28A0092B-C50C-407E-A947-70E740481C1C}">
-                <a14:useLocalDpi xmlns:a14="http://schemas.microsoft.com/office/drawing/2010/main" val="0"/>
-              </a:ext>
-            </a:extLst>
-          </a:blip>
-          <a:srcRect/>
-          <a:stretch>
-            <a:fillRect/>
-          </a:stretch>
-        </p:blipFill>
-        <p:spPr bwMode="auto">
-          <a:xfrm>
-            <a:off x="457200" y="2704537"/>
-            <a:ext cx="8681111" cy="3429000"/>
-          </a:xfrm>
-          <a:prstGeom prst="rect">
-            <a:avLst/>
-          </a:prstGeom>
-          <a:noFill/>
-          <a:extLst>
-            <a:ext uri="{909E8E84-426E-40DD-AFC4-6F175D3DCCD1}">
-              <a14:hiddenFill xmlns:a14="http://schemas.microsoft.com/office/drawing/2010/main">
-                <a:solidFill>
-                  <a:srgbClr val="FFFFFF"/>
-                </a:solidFill>
-              </a14:hiddenFill>
-            </a:ext>
-          </a:extLst>
-        </p:spPr>
-      </p:pic>
+          <a:p>
+            <a:pPr marL="514350" indent="-514350">
+              <a:buFont typeface="+mj-lt"/>
+              <a:buAutoNum type="arabicPeriod"/>
+            </a:pPr>
+            <a:endParaRPr lang="en-US" dirty="0"/>
+          </a:p>
+          <a:p>
+            <a:pPr marL="514350" indent="-514350">
+              <a:buFont typeface="+mj-lt"/>
+              <a:buAutoNum type="arabicPeriod"/>
+            </a:pPr>
+            <a:endParaRPr lang="en-US" dirty="0"/>
+          </a:p>
+          <a:p>
+            <a:pPr marL="514350" indent="-514350">
+              <a:buFont typeface="+mj-lt"/>
+              <a:buAutoNum type="arabicPeriod"/>
+            </a:pPr>
+            <a:endParaRPr lang="en-US" dirty="0"/>
+          </a:p>
+        </p:txBody>
+      </p:sp>
     </p:spTree>
     <p:extLst>
       <p:ext uri="{BB962C8B-B14F-4D97-AF65-F5344CB8AC3E}">
-        <p14:creationId xmlns:p14="http://schemas.microsoft.com/office/powerpoint/2010/main" val="3357772506"/>
+        <p14:creationId xmlns:p14="http://schemas.microsoft.com/office/powerpoint/2010/main" val="4108501425"/>
       </p:ext>
     </p:extLst>
   </p:cSld>
